--- a/fsm-intro-python-excel.pptx
+++ b/fsm-intro-python-excel.pptx
@@ -5,37 +5,36 @@
     <p:sldMasterId id="2147483648" r:id="rId1"/>
   </p:sldMasterIdLst>
   <p:notesMasterIdLst>
-    <p:notesMasterId r:id="rId20"/>
+    <p:notesMasterId r:id="rId19"/>
   </p:notesMasterIdLst>
   <p:sldIdLst>
     <p:sldId id="256" r:id="rId2"/>
     <p:sldId id="425" r:id="rId3"/>
     <p:sldId id="426" r:id="rId4"/>
-    <p:sldId id="424" r:id="rId5"/>
-    <p:sldId id="404" r:id="rId6"/>
-    <p:sldId id="407" r:id="rId7"/>
-    <p:sldId id="415" r:id="rId8"/>
-    <p:sldId id="405" r:id="rId9"/>
-    <p:sldId id="412" r:id="rId10"/>
-    <p:sldId id="414" r:id="rId11"/>
-    <p:sldId id="406" r:id="rId12"/>
-    <p:sldId id="409" r:id="rId13"/>
-    <p:sldId id="416" r:id="rId14"/>
-    <p:sldId id="420" r:id="rId15"/>
-    <p:sldId id="421" r:id="rId16"/>
-    <p:sldId id="422" r:id="rId17"/>
-    <p:sldId id="423" r:id="rId18"/>
-    <p:sldId id="265" r:id="rId19"/>
+    <p:sldId id="404" r:id="rId5"/>
+    <p:sldId id="407" r:id="rId6"/>
+    <p:sldId id="415" r:id="rId7"/>
+    <p:sldId id="405" r:id="rId8"/>
+    <p:sldId id="412" r:id="rId9"/>
+    <p:sldId id="414" r:id="rId10"/>
+    <p:sldId id="406" r:id="rId11"/>
+    <p:sldId id="409" r:id="rId12"/>
+    <p:sldId id="416" r:id="rId13"/>
+    <p:sldId id="420" r:id="rId14"/>
+    <p:sldId id="421" r:id="rId15"/>
+    <p:sldId id="422" r:id="rId16"/>
+    <p:sldId id="423" r:id="rId17"/>
+    <p:sldId id="427" r:id="rId18"/>
   </p:sldIdLst>
   <p:sldSz cx="18288000" cy="10287000"/>
   <p:notesSz cx="6858000" cy="9144000"/>
   <p:embeddedFontLst>
     <p:embeddedFont>
       <p:font typeface="Consolas" panose="020B0609020204030204" pitchFamily="49" charset="0"/>
-      <p:regular r:id="rId21"/>
-      <p:bold r:id="rId22"/>
-      <p:italic r:id="rId23"/>
-      <p:boldItalic r:id="rId24"/>
+      <p:regular r:id="rId20"/>
+      <p:bold r:id="rId21"/>
+      <p:italic r:id="rId22"/>
+      <p:boldItalic r:id="rId23"/>
     </p:embeddedFont>
   </p:embeddedFontLst>
   <p:defaultTextStyle>
@@ -252,7 +251,7 @@
           <a:p>
             <a:fld id="{17A98A70-FA8C-4354-959C-C70678AC9BCF}" type="datetimeFigureOut">
               <a:rPr lang="en-US" smtClean="0"/>
-              <a:t>3/12/2024</a:t>
+              <a:t>4/9/2024</a:t>
             </a:fld>
             <a:endParaRPr lang="en-US"/>
           </a:p>
@@ -608,7 +607,7 @@
           <a:p>
             <a:fld id="{1300335D-9F13-4B80-ADC5-B0EA3E10FF6B}" type="slidenum">
               <a:rPr lang="en-US" smtClean="0"/>
-              <a:t>6</a:t>
+              <a:t>5</a:t>
             </a:fld>
             <a:endParaRPr lang="en-US"/>
           </a:p>
@@ -716,7 +715,7 @@
           <a:p>
             <a:fld id="{1300335D-9F13-4B80-ADC5-B0EA3E10FF6B}" type="slidenum">
               <a:rPr lang="en-US" smtClean="0"/>
-              <a:t>9</a:t>
+              <a:t>8</a:t>
             </a:fld>
             <a:endParaRPr lang="en-US"/>
           </a:p>
@@ -824,7 +823,7 @@
           <a:p>
             <a:fld id="{1300335D-9F13-4B80-ADC5-B0EA3E10FF6B}" type="slidenum">
               <a:rPr lang="en-US" smtClean="0"/>
-              <a:t>12</a:t>
+              <a:t>11</a:t>
             </a:fld>
             <a:endParaRPr lang="en-US"/>
           </a:p>
@@ -956,7 +955,7 @@
           <a:p>
             <a:fld id="{1300335D-9F13-4B80-ADC5-B0EA3E10FF6B}" type="slidenum">
               <a:rPr lang="en-US" smtClean="0"/>
-              <a:t>15</a:t>
+              <a:t>14</a:t>
             </a:fld>
             <a:endParaRPr lang="en-US"/>
           </a:p>
@@ -1088,7 +1087,7 @@
           <a:p>
             <a:fld id="{1300335D-9F13-4B80-ADC5-B0EA3E10FF6B}" type="slidenum">
               <a:rPr lang="en-US" smtClean="0"/>
-              <a:t>16</a:t>
+              <a:t>15</a:t>
             </a:fld>
             <a:endParaRPr lang="en-US"/>
           </a:p>
@@ -1220,7 +1219,7 @@
           <a:p>
             <a:fld id="{1300335D-9F13-4B80-ADC5-B0EA3E10FF6B}" type="slidenum">
               <a:rPr lang="en-US" smtClean="0"/>
-              <a:t>17</a:t>
+              <a:t>16</a:t>
             </a:fld>
             <a:endParaRPr lang="en-US"/>
           </a:p>
@@ -1419,7 +1418,7 @@
             <a:fld id="{1D8BD707-D9CF-40AE-B4C6-C98DA3205C09}" type="datetimeFigureOut">
               <a:rPr lang="en-US" smtClean="0"/>
               <a:pPr/>
-              <a:t>3/12/2024</a:t>
+              <a:t>4/9/2024</a:t>
             </a:fld>
             <a:endParaRPr lang="en-US"/>
           </a:p>
@@ -1584,7 +1583,7 @@
             <a:fld id="{1D8BD707-D9CF-40AE-B4C6-C98DA3205C09}" type="datetimeFigureOut">
               <a:rPr lang="en-US" smtClean="0"/>
               <a:pPr/>
-              <a:t>3/12/2024</a:t>
+              <a:t>4/9/2024</a:t>
             </a:fld>
             <a:endParaRPr lang="en-US"/>
           </a:p>
@@ -1759,7 +1758,7 @@
             <a:fld id="{1D8BD707-D9CF-40AE-B4C6-C98DA3205C09}" type="datetimeFigureOut">
               <a:rPr lang="en-US" smtClean="0"/>
               <a:pPr/>
-              <a:t>3/12/2024</a:t>
+              <a:t>4/9/2024</a:t>
             </a:fld>
             <a:endParaRPr lang="en-US"/>
           </a:p>
@@ -1924,7 +1923,7 @@
             <a:fld id="{1D8BD707-D9CF-40AE-B4C6-C98DA3205C09}" type="datetimeFigureOut">
               <a:rPr lang="en-US" smtClean="0"/>
               <a:pPr/>
-              <a:t>3/12/2024</a:t>
+              <a:t>4/9/2024</a:t>
             </a:fld>
             <a:endParaRPr lang="en-US"/>
           </a:p>
@@ -2166,7 +2165,7 @@
             <a:fld id="{1D8BD707-D9CF-40AE-B4C6-C98DA3205C09}" type="datetimeFigureOut">
               <a:rPr lang="en-US" smtClean="0"/>
               <a:pPr/>
-              <a:t>3/12/2024</a:t>
+              <a:t>4/9/2024</a:t>
             </a:fld>
             <a:endParaRPr lang="en-US"/>
           </a:p>
@@ -2448,7 +2447,7 @@
             <a:fld id="{1D8BD707-D9CF-40AE-B4C6-C98DA3205C09}" type="datetimeFigureOut">
               <a:rPr lang="en-US" smtClean="0"/>
               <a:pPr/>
-              <a:t>3/12/2024</a:t>
+              <a:t>4/9/2024</a:t>
             </a:fld>
             <a:endParaRPr lang="en-US"/>
           </a:p>
@@ -2864,7 +2863,7 @@
             <a:fld id="{1D8BD707-D9CF-40AE-B4C6-C98DA3205C09}" type="datetimeFigureOut">
               <a:rPr lang="en-US" smtClean="0"/>
               <a:pPr/>
-              <a:t>3/12/2024</a:t>
+              <a:t>4/9/2024</a:t>
             </a:fld>
             <a:endParaRPr lang="en-US"/>
           </a:p>
@@ -2978,7 +2977,7 @@
             <a:fld id="{1D8BD707-D9CF-40AE-B4C6-C98DA3205C09}" type="datetimeFigureOut">
               <a:rPr lang="en-US" smtClean="0"/>
               <a:pPr/>
-              <a:t>3/12/2024</a:t>
+              <a:t>4/9/2024</a:t>
             </a:fld>
             <a:endParaRPr lang="en-US"/>
           </a:p>
@@ -3070,7 +3069,7 @@
             <a:fld id="{1D8BD707-D9CF-40AE-B4C6-C98DA3205C09}" type="datetimeFigureOut">
               <a:rPr lang="en-US" smtClean="0"/>
               <a:pPr/>
-              <a:t>3/12/2024</a:t>
+              <a:t>4/9/2024</a:t>
             </a:fld>
             <a:endParaRPr lang="en-US"/>
           </a:p>
@@ -3342,7 +3341,7 @@
             <a:fld id="{1D8BD707-D9CF-40AE-B4C6-C98DA3205C09}" type="datetimeFigureOut">
               <a:rPr lang="en-US" smtClean="0"/>
               <a:pPr/>
-              <a:t>3/12/2024</a:t>
+              <a:t>4/9/2024</a:t>
             </a:fld>
             <a:endParaRPr lang="en-US"/>
           </a:p>
@@ -3591,7 +3590,7 @@
             <a:fld id="{1D8BD707-D9CF-40AE-B4C6-C98DA3205C09}" type="datetimeFigureOut">
               <a:rPr lang="en-US" smtClean="0"/>
               <a:pPr/>
-              <a:t>3/12/2024</a:t>
+              <a:t>4/9/2024</a:t>
             </a:fld>
             <a:endParaRPr lang="en-US"/>
           </a:p>
@@ -3804,7 +3803,7 @@
             <a:fld id="{1D8BD707-D9CF-40AE-B4C6-C98DA3205C09}" type="datetimeFigureOut">
               <a:rPr lang="en-US" smtClean="0"/>
               <a:pPr/>
-              <a:t>3/12/2024</a:t>
+              <a:t>4/9/2024</a:t>
             </a:fld>
             <a:endParaRPr lang="en-US"/>
           </a:p>
@@ -4382,75 +4381,62 @@
           <a:chExt cx="0" cy="0"/>
         </a:xfrm>
       </p:grpSpPr>
-      <p:pic>
-        <p:nvPicPr>
-          <p:cNvPr id="10" name="Picture 9"/>
-          <p:cNvPicPr>
-            <a:picLocks noChangeAspect="1"/>
-          </p:cNvPicPr>
+      <p:sp>
+        <p:nvSpPr>
+          <p:cNvPr id="4" name="Rectangle 3"/>
+          <p:cNvSpPr/>
           <p:nvPr/>
-        </p:nvPicPr>
-        <p:blipFill rotWithShape="1">
-          <a:blip r:embed="rId2">
-            <a:extLst>
-              <a:ext uri="{28A0092B-C50C-407E-A947-70E740481C1C}">
-                <a14:useLocalDpi xmlns:a14="http://schemas.microsoft.com/office/drawing/2010/main" val="0"/>
-              </a:ext>
-            </a:extLst>
-          </a:blip>
-          <a:srcRect l="50728" t="56371"/>
-          <a:stretch/>
-        </p:blipFill>
+        </p:nvSpPr>
         <p:spPr>
           <a:xfrm>
-            <a:off x="12204691" y="3316148"/>
-            <a:ext cx="6083309" cy="6970854"/>
+            <a:off x="0" y="0"/>
+            <a:ext cx="18288000" cy="10287000"/>
           </a:xfrm>
           <a:prstGeom prst="rect">
             <a:avLst/>
           </a:prstGeom>
-        </p:spPr>
-      </p:pic>
-      <p:pic>
-        <p:nvPicPr>
-          <p:cNvPr id="4" name="Picture 3"/>
-          <p:cNvPicPr>
-            <a:picLocks noChangeAspect="1"/>
-          </p:cNvPicPr>
-          <p:nvPr/>
-        </p:nvPicPr>
-        <p:blipFill>
-          <a:blip r:embed="rId3">
-            <a:extLst>
-              <a:ext uri="{28A0092B-C50C-407E-A947-70E740481C1C}">
-                <a14:useLocalDpi xmlns:a14="http://schemas.microsoft.com/office/drawing/2010/main" val="0"/>
-              </a:ext>
-            </a:extLst>
-          </a:blip>
-          <a:stretch>
-            <a:fillRect/>
-          </a:stretch>
-        </p:blipFill>
-        <p:spPr>
-          <a:xfrm>
-            <a:off x="-807744" y="-3724155"/>
-            <a:ext cx="15257208" cy="11189825"/>
-          </a:xfrm>
-          <a:prstGeom prst="rect">
-            <a:avLst/>
-          </a:prstGeom>
-        </p:spPr>
-      </p:pic>
-      <p:sp>
-        <p:nvSpPr>
-          <p:cNvPr id="11" name="TextBox 10"/>
+          <a:solidFill>
+            <a:srgbClr val="CF3338"/>
+          </a:solidFill>
+          <a:ln>
+            <a:noFill/>
+          </a:ln>
+        </p:spPr>
+        <p:style>
+          <a:lnRef idx="2">
+            <a:schemeClr val="accent1">
+              <a:shade val="50000"/>
+            </a:schemeClr>
+          </a:lnRef>
+          <a:fillRef idx="1">
+            <a:schemeClr val="accent1"/>
+          </a:fillRef>
+          <a:effectRef idx="0">
+            <a:schemeClr val="accent1"/>
+          </a:effectRef>
+          <a:fontRef idx="minor">
+            <a:schemeClr val="lt1"/>
+          </a:fontRef>
+        </p:style>
+        <p:txBody>
+          <a:bodyPr rtlCol="0" anchor="ctr"/>
+          <a:lstStyle/>
+          <a:p>
+            <a:pPr algn="ctr"/>
+            <a:endParaRPr lang="en-US" sz="2700"/>
+          </a:p>
+        </p:txBody>
+      </p:sp>
+      <p:sp>
+        <p:nvSpPr>
+          <p:cNvPr id="5" name="TextBox 4"/>
           <p:cNvSpPr txBox="1"/>
           <p:nvPr/>
         </p:nvSpPr>
         <p:spPr>
           <a:xfrm>
-            <a:off x="486137" y="2531318"/>
-            <a:ext cx="11979797" cy="923330"/>
+            <a:off x="781292" y="590309"/>
+            <a:ext cx="15486926" cy="4662815"/>
           </a:xfrm>
           <a:prstGeom prst="rect">
             <a:avLst/>
@@ -4464,56 +4450,57 @@
           <a:lstStyle/>
           <a:p>
             <a:r>
-              <a:rPr lang="en-US" sz="5400" b="1" dirty="0">
+              <a:rPr lang="en-US" sz="9900" b="1" dirty="0">
                 <a:solidFill>
-                  <a:srgbClr val="CF3338"/>
+                  <a:schemeClr val="bg1"/>
                 </a:solidFill>
-                <a:latin typeface="Pragmatica" panose="020B0403040502020204" pitchFamily="34" charset="0"/>
+                <a:latin typeface="Normafixed Tryout" panose="00000409000000000000" pitchFamily="49" charset="0"/>
               </a:rPr>
-              <a:t>Questions?</a:t>
-            </a:r>
-          </a:p>
-        </p:txBody>
-      </p:sp>
-      <p:pic>
-        <p:nvPicPr>
-          <p:cNvPr id="5" name="Picture 4">
-            <a:extLst>
-              <a:ext uri="{FF2B5EF4-FFF2-40B4-BE49-F238E27FC236}">
-                <a16:creationId xmlns:a16="http://schemas.microsoft.com/office/drawing/2014/main" id="{54A06221-5316-4BCF-9FDA-BDB95FF4A778}"/>
-              </a:ext>
-            </a:extLst>
-          </p:cNvPr>
-          <p:cNvPicPr>
-            <a:picLocks noChangeAspect="1"/>
-          </p:cNvPicPr>
-          <p:nvPr/>
-        </p:nvPicPr>
-        <p:blipFill>
-          <a:blip r:embed="rId4">
-            <a:extLst>
-              <a:ext uri="{28A0092B-C50C-407E-A947-70E740481C1C}">
-                <a14:useLocalDpi xmlns:a14="http://schemas.microsoft.com/office/drawing/2010/main" val="0"/>
-              </a:ext>
-            </a:extLst>
-          </a:blip>
-          <a:srcRect/>
-          <a:stretch/>
-        </p:blipFill>
-        <p:spPr>
-          <a:xfrm>
-            <a:off x="12204691" y="3317239"/>
-            <a:ext cx="6083309" cy="6968672"/>
-          </a:xfrm>
-          <a:prstGeom prst="rect">
-            <a:avLst/>
-          </a:prstGeom>
-        </p:spPr>
-      </p:pic>
+              <a:t>3. There’s more to Python </a:t>
+            </a:r>
+            <a:r>
+              <a:rPr lang="en-US" sz="9900" b="1" i="1" dirty="0">
+                <a:solidFill>
+                  <a:schemeClr val="bg1"/>
+                </a:solidFill>
+                <a:latin typeface="Normafixed Tryout" panose="00000409000000000000" pitchFamily="49" charset="0"/>
+              </a:rPr>
+              <a:t>and </a:t>
+            </a:r>
+            <a:r>
+              <a:rPr lang="en-US" sz="9900" b="1" dirty="0">
+                <a:solidFill>
+                  <a:schemeClr val="bg1"/>
+                </a:solidFill>
+                <a:latin typeface="Normafixed Tryout" panose="00000409000000000000" pitchFamily="49" charset="0"/>
+              </a:rPr>
+              <a:t>Excel than Python </a:t>
+            </a:r>
+            <a:r>
+              <a:rPr lang="en-US" sz="9900" b="1" i="1" dirty="0">
+                <a:solidFill>
+                  <a:schemeClr val="bg1"/>
+                </a:solidFill>
+                <a:latin typeface="Normafixed Tryout" panose="00000409000000000000" pitchFamily="49" charset="0"/>
+              </a:rPr>
+              <a:t>in </a:t>
+            </a:r>
+            <a:r>
+              <a:rPr lang="en-US" sz="9900" b="1" dirty="0">
+                <a:solidFill>
+                  <a:schemeClr val="bg1"/>
+                </a:solidFill>
+                <a:latin typeface="Normafixed Tryout" panose="00000409000000000000" pitchFamily="49" charset="0"/>
+              </a:rPr>
+              <a:t>Excel</a:t>
+            </a:r>
+          </a:p>
+        </p:txBody>
+      </p:sp>
     </p:spTree>
     <p:extLst>
       <p:ext uri="{BB962C8B-B14F-4D97-AF65-F5344CB8AC3E}">
-        <p14:creationId xmlns:p14="http://schemas.microsoft.com/office/powerpoint/2010/main" val="2899625024"/>
+        <p14:creationId xmlns:p14="http://schemas.microsoft.com/office/powerpoint/2010/main" val="1915421395"/>
       </p:ext>
     </p:extLst>
   </p:cSld>
@@ -4548,152 +4535,6 @@
         </p:nvSpPr>
         <p:spPr>
           <a:xfrm>
-            <a:off x="0" y="0"/>
-            <a:ext cx="18288000" cy="10287000"/>
-          </a:xfrm>
-          <a:prstGeom prst="rect">
-            <a:avLst/>
-          </a:prstGeom>
-          <a:solidFill>
-            <a:srgbClr val="CF3338"/>
-          </a:solidFill>
-          <a:ln>
-            <a:noFill/>
-          </a:ln>
-        </p:spPr>
-        <p:style>
-          <a:lnRef idx="2">
-            <a:schemeClr val="accent1">
-              <a:shade val="50000"/>
-            </a:schemeClr>
-          </a:lnRef>
-          <a:fillRef idx="1">
-            <a:schemeClr val="accent1"/>
-          </a:fillRef>
-          <a:effectRef idx="0">
-            <a:schemeClr val="accent1"/>
-          </a:effectRef>
-          <a:fontRef idx="minor">
-            <a:schemeClr val="lt1"/>
-          </a:fontRef>
-        </p:style>
-        <p:txBody>
-          <a:bodyPr rtlCol="0" anchor="ctr"/>
-          <a:lstStyle/>
-          <a:p>
-            <a:pPr algn="ctr"/>
-            <a:endParaRPr lang="en-US" sz="2700"/>
-          </a:p>
-        </p:txBody>
-      </p:sp>
-      <p:sp>
-        <p:nvSpPr>
-          <p:cNvPr id="5" name="TextBox 4"/>
-          <p:cNvSpPr txBox="1"/>
-          <p:nvPr/>
-        </p:nvSpPr>
-        <p:spPr>
-          <a:xfrm>
-            <a:off x="781292" y="590309"/>
-            <a:ext cx="15486926" cy="4662815"/>
-          </a:xfrm>
-          <a:prstGeom prst="rect">
-            <a:avLst/>
-          </a:prstGeom>
-          <a:noFill/>
-        </p:spPr>
-        <p:txBody>
-          <a:bodyPr wrap="square" rtlCol="0">
-            <a:spAutoFit/>
-          </a:bodyPr>
-          <a:lstStyle/>
-          <a:p>
-            <a:r>
-              <a:rPr lang="en-US" sz="9900" b="1" dirty="0">
-                <a:solidFill>
-                  <a:schemeClr val="bg1"/>
-                </a:solidFill>
-                <a:latin typeface="Normafixed Tryout" panose="00000409000000000000" pitchFamily="49" charset="0"/>
-              </a:rPr>
-              <a:t>3. There’s more to Python </a:t>
-            </a:r>
-            <a:r>
-              <a:rPr lang="en-US" sz="9900" b="1" i="1" dirty="0">
-                <a:solidFill>
-                  <a:schemeClr val="bg1"/>
-                </a:solidFill>
-                <a:latin typeface="Normafixed Tryout" panose="00000409000000000000" pitchFamily="49" charset="0"/>
-              </a:rPr>
-              <a:t>and </a:t>
-            </a:r>
-            <a:r>
-              <a:rPr lang="en-US" sz="9900" b="1" dirty="0">
-                <a:solidFill>
-                  <a:schemeClr val="bg1"/>
-                </a:solidFill>
-                <a:latin typeface="Normafixed Tryout" panose="00000409000000000000" pitchFamily="49" charset="0"/>
-              </a:rPr>
-              <a:t>Excel than Python </a:t>
-            </a:r>
-            <a:r>
-              <a:rPr lang="en-US" sz="9900" b="1" i="1" dirty="0">
-                <a:solidFill>
-                  <a:schemeClr val="bg1"/>
-                </a:solidFill>
-                <a:latin typeface="Normafixed Tryout" panose="00000409000000000000" pitchFamily="49" charset="0"/>
-              </a:rPr>
-              <a:t>in </a:t>
-            </a:r>
-            <a:r>
-              <a:rPr lang="en-US" sz="9900" b="1" dirty="0">
-                <a:solidFill>
-                  <a:schemeClr val="bg1"/>
-                </a:solidFill>
-                <a:latin typeface="Normafixed Tryout" panose="00000409000000000000" pitchFamily="49" charset="0"/>
-              </a:rPr>
-              <a:t>Excel</a:t>
-            </a:r>
-          </a:p>
-        </p:txBody>
-      </p:sp>
-    </p:spTree>
-    <p:extLst>
-      <p:ext uri="{BB962C8B-B14F-4D97-AF65-F5344CB8AC3E}">
-        <p14:creationId xmlns:p14="http://schemas.microsoft.com/office/powerpoint/2010/main" val="1915421395"/>
-      </p:ext>
-    </p:extLst>
-  </p:cSld>
-  <p:clrMapOvr>
-    <a:masterClrMapping/>
-  </p:clrMapOvr>
-</p:sld>
-</file>
-
-<file path=ppt/slides/slide12.xml><?xml version="1.0" encoding="utf-8"?>
-<p:sld xmlns:a="http://schemas.openxmlformats.org/drawingml/2006/main" xmlns:r="http://schemas.openxmlformats.org/officeDocument/2006/relationships" xmlns:p="http://schemas.openxmlformats.org/presentationml/2006/main">
-  <p:cSld>
-    <p:spTree>
-      <p:nvGrpSpPr>
-        <p:cNvPr id="1" name=""/>
-        <p:cNvGrpSpPr/>
-        <p:nvPr/>
-      </p:nvGrpSpPr>
-      <p:grpSpPr>
-        <a:xfrm>
-          <a:off x="0" y="0"/>
-          <a:ext cx="0" cy="0"/>
-          <a:chOff x="0" y="0"/>
-          <a:chExt cx="0" cy="0"/>
-        </a:xfrm>
-      </p:grpSpPr>
-      <p:sp>
-        <p:nvSpPr>
-          <p:cNvPr id="4" name="Rectangle 3"/>
-          <p:cNvSpPr/>
-          <p:nvPr/>
-        </p:nvSpPr>
-        <p:spPr>
-          <a:xfrm>
             <a:off x="9861630" y="0"/>
             <a:ext cx="8426370" cy="10287000"/>
           </a:xfrm>
@@ -5001,7 +4842,7 @@
 </p:sld>
 </file>
 
-<file path=ppt/slides/slide13.xml><?xml version="1.0" encoding="utf-8"?>
+<file path=ppt/slides/slide12.xml><?xml version="1.0" encoding="utf-8"?>
 <p:sld xmlns:a="http://schemas.openxmlformats.org/drawingml/2006/main" xmlns:r="http://schemas.openxmlformats.org/officeDocument/2006/relationships" xmlns:p="http://schemas.openxmlformats.org/presentationml/2006/main">
   <p:cSld>
     <p:spTree>
@@ -5159,7 +5000,7 @@
 </p:sld>
 </file>
 
-<file path=ppt/slides/slide14.xml><?xml version="1.0" encoding="utf-8"?>
+<file path=ppt/slides/slide13.xml><?xml version="1.0" encoding="utf-8"?>
 <p:sld xmlns:a="http://schemas.openxmlformats.org/drawingml/2006/main" xmlns:r="http://schemas.openxmlformats.org/officeDocument/2006/relationships" xmlns:p="http://schemas.openxmlformats.org/presentationml/2006/main">
   <p:cSld>
     <p:spTree>
@@ -5287,7 +5128,7 @@
 </p:sld>
 </file>
 
-<file path=ppt/slides/slide15.xml><?xml version="1.0" encoding="utf-8"?>
+<file path=ppt/slides/slide14.xml><?xml version="1.0" encoding="utf-8"?>
 <p:sld xmlns:a="http://schemas.openxmlformats.org/drawingml/2006/main" xmlns:r="http://schemas.openxmlformats.org/officeDocument/2006/relationships" xmlns:p="http://schemas.openxmlformats.org/presentationml/2006/main">
   <p:cSld>
     <p:spTree>
@@ -5412,7 +5253,7 @@
         <p:spPr>
           <a:xfrm>
             <a:off x="260431" y="329879"/>
-            <a:ext cx="8906720" cy="3640484"/>
+            <a:ext cx="8906720" cy="1015663"/>
           </a:xfrm>
           <a:prstGeom prst="rect">
             <a:avLst/>
@@ -5449,63 +5290,6 @@
               </a:solidFill>
               <a:latin typeface="Pragmatica" panose="020B0403040502020204" pitchFamily="34" charset="0"/>
             </a:endParaRPr>
-          </a:p>
-          <a:p>
-            <a:pPr marL="142875">
-              <a:lnSpc>
-                <a:spcPct val="115000"/>
-              </a:lnSpc>
-              <a:spcBef>
-                <a:spcPts val="1125"/>
-              </a:spcBef>
-              <a:buClr>
-                <a:srgbClr val="C00000"/>
-              </a:buClr>
-              <a:buSzPts val="2100"/>
-            </a:pPr>
-            <a:endParaRPr lang="en-US" sz="3600" dirty="0">
-              <a:solidFill>
-                <a:srgbClr val="C00000"/>
-              </a:solidFill>
-              <a:latin typeface="Pragmatica" panose="020B0403040502020204"/>
-              <a:sym typeface="Consolas"/>
-            </a:endParaRPr>
-          </a:p>
-          <a:p>
-            <a:r>
-              <a:rPr lang="en-US" sz="4000" dirty="0">
-                <a:solidFill>
-                  <a:srgbClr val="CF3338"/>
-                </a:solidFill>
-                <a:latin typeface="Pragmatica" panose="020B0403040502020204" pitchFamily="34" charset="0"/>
-              </a:rPr>
-              <a:t>Available on O’Reilly Online Learning: </a:t>
-            </a:r>
-            <a:r>
-              <a:rPr lang="en-US" sz="4000" dirty="0">
-                <a:solidFill>
-                  <a:srgbClr val="CF3338"/>
-                </a:solidFill>
-                <a:latin typeface="Pragmatica" panose="020B0403040502020204" pitchFamily="34" charset="0"/>
-                <a:hlinkClick r:id="rId4">
-                  <a:extLst>
-                    <a:ext uri="{A12FA001-AC4F-418D-AE19-62706E023703}">
-                      <ahyp:hlinkClr xmlns:ahyp="http://schemas.microsoft.com/office/drawing/2018/hyperlinkcolor" val="tx"/>
-                    </a:ext>
-                  </a:extLst>
-                </a:hlinkClick>
-              </a:rPr>
-              <a:t>https://learning.oreilly.com/library/view/python-for-excel/9781492080992/</a:t>
-            </a:r>
-            <a:r>
-              <a:rPr lang="en-US" sz="4000" dirty="0">
-                <a:solidFill>
-                  <a:srgbClr val="CF3338"/>
-                </a:solidFill>
-                <a:latin typeface="Pragmatica" panose="020B0403040502020204" pitchFamily="34" charset="0"/>
-              </a:rPr>
-              <a:t> </a:t>
-            </a:r>
           </a:p>
         </p:txBody>
       </p:sp>
@@ -5524,7 +5308,7 @@
           <p:nvPr/>
         </p:nvPicPr>
         <p:blipFill>
-          <a:blip r:embed="rId5">
+          <a:blip r:embed="rId4">
             <a:extLst>
               <a:ext uri="{28A0092B-C50C-407E-A947-70E740481C1C}">
                 <a14:useLocalDpi xmlns:a14="http://schemas.microsoft.com/office/drawing/2010/main" val="0"/>
@@ -5538,8 +5322,8 @@
         </p:blipFill>
         <p:spPr bwMode="auto">
           <a:xfrm>
-            <a:off x="762000" y="4686300"/>
-            <a:ext cx="3810000" cy="5000625"/>
+            <a:off x="762000" y="1790700"/>
+            <a:ext cx="6096000" cy="8001000"/>
           </a:xfrm>
           <a:prstGeom prst="rect">
             <a:avLst/>
@@ -5569,7 +5353,7 @@
 </p:sld>
 </file>
 
-<file path=ppt/slides/slide16.xml><?xml version="1.0" encoding="utf-8"?>
+<file path=ppt/slides/slide15.xml><?xml version="1.0" encoding="utf-8"?>
 <p:sld xmlns:a="http://schemas.openxmlformats.org/drawingml/2006/main" xmlns:r="http://schemas.openxmlformats.org/officeDocument/2006/relationships" xmlns:p="http://schemas.openxmlformats.org/presentationml/2006/main">
   <p:cSld>
     <p:spTree>
@@ -5694,7 +5478,7 @@
         <p:spPr>
           <a:xfrm>
             <a:off x="260431" y="329879"/>
-            <a:ext cx="8906720" cy="5364033"/>
+            <a:ext cx="8906720" cy="1938992"/>
           </a:xfrm>
           <a:prstGeom prst="rect">
             <a:avLst/>
@@ -5726,71 +5510,6 @@
               <a:t>Advancing into Analytics</a:t>
             </a:r>
             <a:endParaRPr lang="en-US" sz="6000" b="1" dirty="0">
-              <a:solidFill>
-                <a:srgbClr val="CF3338"/>
-              </a:solidFill>
-              <a:latin typeface="Pragmatica" panose="020B0403040502020204" pitchFamily="34" charset="0"/>
-            </a:endParaRPr>
-          </a:p>
-          <a:p>
-            <a:pPr marL="142875">
-              <a:lnSpc>
-                <a:spcPct val="115000"/>
-              </a:lnSpc>
-              <a:spcBef>
-                <a:spcPts val="1125"/>
-              </a:spcBef>
-              <a:buClr>
-                <a:srgbClr val="C00000"/>
-              </a:buClr>
-              <a:buSzPts val="2100"/>
-            </a:pPr>
-            <a:endParaRPr lang="en-US" sz="3600" dirty="0">
-              <a:solidFill>
-                <a:srgbClr val="C00000"/>
-              </a:solidFill>
-              <a:latin typeface="Pragmatica" panose="020B0403040502020204"/>
-              <a:sym typeface="Consolas"/>
-            </a:endParaRPr>
-          </a:p>
-          <a:p>
-            <a:r>
-              <a:rPr lang="en-US" sz="4000" dirty="0">
-                <a:solidFill>
-                  <a:srgbClr val="CF3338"/>
-                </a:solidFill>
-                <a:latin typeface="Pragmatica" panose="020B0403040502020204" pitchFamily="34" charset="0"/>
-              </a:rPr>
-              <a:t>Available on O’Reilly Online Learning: </a:t>
-            </a:r>
-            <a:r>
-              <a:rPr lang="en-US" sz="3600" dirty="0">
-                <a:solidFill>
-                  <a:srgbClr val="CF3338"/>
-                </a:solidFill>
-                <a:latin typeface="Pragmatica" panose="020B0403040502020204" pitchFamily="34" charset="0"/>
-                <a:hlinkClick r:id="rId4">
-                  <a:extLst>
-                    <a:ext uri="{A12FA001-AC4F-418D-AE19-62706E023703}">
-                      <ahyp:hlinkClr xmlns:ahyp="http://schemas.microsoft.com/office/drawing/2018/hyperlinkcolor" val="tx"/>
-                    </a:ext>
-                  </a:extLst>
-                </a:hlinkClick>
-              </a:rPr>
-              <a:t>https://learning.oreilly.com/library/view/advancing-into-analytics/9781492094333/</a:t>
-            </a:r>
-            <a:r>
-              <a:rPr lang="en-US" sz="3600" dirty="0">
-                <a:solidFill>
-                  <a:srgbClr val="CF3338"/>
-                </a:solidFill>
-                <a:latin typeface="Pragmatica" panose="020B0403040502020204" pitchFamily="34" charset="0"/>
-              </a:rPr>
-              <a:t> </a:t>
-            </a:r>
-          </a:p>
-          <a:p>
-            <a:endParaRPr lang="en-US" sz="6000" dirty="0">
               <a:solidFill>
                 <a:srgbClr val="CF3338"/>
               </a:solidFill>
@@ -5814,7 +5533,7 @@
           <p:nvPr/>
         </p:nvPicPr>
         <p:blipFill>
-          <a:blip r:embed="rId5">
+          <a:blip r:embed="rId4">
             <a:extLst>
               <a:ext uri="{28A0092B-C50C-407E-A947-70E740481C1C}">
                 <a14:useLocalDpi xmlns:a14="http://schemas.microsoft.com/office/drawing/2010/main" val="0"/>
@@ -5828,8 +5547,8 @@
         </p:blipFill>
         <p:spPr bwMode="auto">
           <a:xfrm>
-            <a:off x="381000" y="5044380"/>
-            <a:ext cx="3810000" cy="5000625"/>
+            <a:off x="381000" y="2544068"/>
+            <a:ext cx="5715000" cy="7500938"/>
           </a:xfrm>
           <a:prstGeom prst="rect">
             <a:avLst/>
@@ -5859,7 +5578,7 @@
 </p:sld>
 </file>
 
-<file path=ppt/slides/slide17.xml><?xml version="1.0" encoding="utf-8"?>
+<file path=ppt/slides/slide16.xml><?xml version="1.0" encoding="utf-8"?>
 <p:sld xmlns:a="http://schemas.openxmlformats.org/drawingml/2006/main" xmlns:r="http://schemas.openxmlformats.org/officeDocument/2006/relationships" xmlns:p="http://schemas.openxmlformats.org/presentationml/2006/main">
   <p:cSld>
     <p:spTree>
@@ -6064,12 +5783,18 @@
 </p:sld>
 </file>
 
-<file path=ppt/slides/slide18.xml><?xml version="1.0" encoding="utf-8"?>
+<file path=ppt/slides/slide17.xml><?xml version="1.0" encoding="utf-8"?>
 <p:sld xmlns:a="http://schemas.openxmlformats.org/drawingml/2006/main" xmlns:r="http://schemas.openxmlformats.org/officeDocument/2006/relationships" xmlns:p="http://schemas.openxmlformats.org/presentationml/2006/main">
   <p:cSld>
     <p:spTree>
       <p:nvGrpSpPr>
-        <p:cNvPr id="1" name=""/>
+        <p:cNvPr id="1" name="">
+          <a:extLst>
+            <a:ext uri="{FF2B5EF4-FFF2-40B4-BE49-F238E27FC236}">
+              <a16:creationId xmlns:a16="http://schemas.microsoft.com/office/drawing/2014/main" id="{E85323C9-D5F7-C820-78B9-E169BDF2311C}"/>
+            </a:ext>
+          </a:extLst>
+        </p:cNvPr>
         <p:cNvGrpSpPr/>
         <p:nvPr/>
       </p:nvGrpSpPr>
@@ -6081,25 +5806,18 @@
           <a:chExt cx="0" cy="0"/>
         </a:xfrm>
       </p:grpSpPr>
-      <p:pic>
-        <p:nvPicPr>
-          <p:cNvPr id="5" name="Picture 4">
+      <p:sp>
+        <p:nvSpPr>
+          <p:cNvPr id="4" name="Rectangle 3">
             <a:extLst>
               <a:ext uri="{FF2B5EF4-FFF2-40B4-BE49-F238E27FC236}">
-                <a16:creationId xmlns:a16="http://schemas.microsoft.com/office/drawing/2014/main" id="{58EB9D66-9CB4-B474-27D6-F594F19E2A76}"/>
+                <a16:creationId xmlns:a16="http://schemas.microsoft.com/office/drawing/2014/main" id="{28971779-1F50-1702-DEC1-87CD482189F0}"/>
               </a:ext>
             </a:extLst>
           </p:cNvPr>
-          <p:cNvPicPr>
-            <a:picLocks noChangeAspect="1"/>
-          </p:cNvPicPr>
+          <p:cNvSpPr/>
           <p:nvPr/>
-        </p:nvPicPr>
-        <p:blipFill>
-          <a:blip r:embed="rId2"/>
-          <a:srcRect/>
-          <a:stretch/>
-        </p:blipFill>
+        </p:nvSpPr>
         <p:spPr>
           <a:xfrm>
             <a:off x="0" y="0"/>
@@ -6108,554 +5826,82 @@
           <a:prstGeom prst="rect">
             <a:avLst/>
           </a:prstGeom>
-        </p:spPr>
-      </p:pic>
-      <p:sp>
-        <p:nvSpPr>
-          <p:cNvPr id="2" name="Title 1">
+          <a:solidFill>
+            <a:srgbClr val="CF3338"/>
+          </a:solidFill>
+          <a:ln>
+            <a:noFill/>
+          </a:ln>
+        </p:spPr>
+        <p:style>
+          <a:lnRef idx="2">
+            <a:schemeClr val="accent1">
+              <a:shade val="50000"/>
+            </a:schemeClr>
+          </a:lnRef>
+          <a:fillRef idx="1">
+            <a:schemeClr val="accent1"/>
+          </a:fillRef>
+          <a:effectRef idx="0">
+            <a:schemeClr val="accent1"/>
+          </a:effectRef>
+          <a:fontRef idx="minor">
+            <a:schemeClr val="lt1"/>
+          </a:fontRef>
+        </p:style>
+        <p:txBody>
+          <a:bodyPr rtlCol="0" anchor="ctr"/>
+          <a:lstStyle/>
+          <a:p>
+            <a:pPr algn="ctr"/>
+            <a:endParaRPr lang="en-US" sz="2700"/>
+          </a:p>
+        </p:txBody>
+      </p:sp>
+      <p:sp>
+        <p:nvSpPr>
+          <p:cNvPr id="5" name="TextBox 4">
             <a:extLst>
               <a:ext uri="{FF2B5EF4-FFF2-40B4-BE49-F238E27FC236}">
-                <a16:creationId xmlns:a16="http://schemas.microsoft.com/office/drawing/2014/main" id="{6F578B23-3522-A45E-113D-CFC55209E2C5}"/>
+                <a16:creationId xmlns:a16="http://schemas.microsoft.com/office/drawing/2014/main" id="{5ECC4C7B-C529-5329-03AC-796804551DC1}"/>
               </a:ext>
             </a:extLst>
           </p:cNvPr>
-          <p:cNvSpPr>
-            <a:spLocks noGrp="1"/>
-          </p:cNvSpPr>
-          <p:nvPr>
-            <p:ph type="ctrTitle"/>
-          </p:nvPr>
+          <p:cNvSpPr txBox="1"/>
+          <p:nvPr/>
         </p:nvSpPr>
         <p:spPr>
           <a:xfrm>
-            <a:off x="2286000" y="2598656"/>
-            <a:ext cx="13716000" cy="3581400"/>
-          </a:xfrm>
-        </p:spPr>
-        <p:txBody>
-          <a:bodyPr>
-            <a:normAutofit/>
-          </a:bodyPr>
-          <a:lstStyle/>
-          <a:p>
-            <a:r>
-              <a:rPr lang="en-BG" sz="9900" b="1" dirty="0">
-                <a:solidFill>
-                  <a:srgbClr val="241F62"/>
-                </a:solidFill>
-                <a:latin typeface="+mn-lt"/>
-              </a:rPr>
-              <a:t>Thank you!</a:t>
-            </a:r>
-          </a:p>
-        </p:txBody>
-      </p:sp>
-      <p:pic>
-        <p:nvPicPr>
-          <p:cNvPr id="7" name="Picture 6" descr="A black and white sign with white text&#10;&#10;Description automatically generated">
-            <a:extLst>
-              <a:ext uri="{FF2B5EF4-FFF2-40B4-BE49-F238E27FC236}">
-                <a16:creationId xmlns:a16="http://schemas.microsoft.com/office/drawing/2014/main" id="{CADADD3B-A58B-45A3-D5DF-D99E4EB05D2C}"/>
-              </a:ext>
-            </a:extLst>
-          </p:cNvPr>
-          <p:cNvPicPr>
-            <a:picLocks noChangeAspect="1"/>
-          </p:cNvPicPr>
-          <p:nvPr/>
-        </p:nvPicPr>
-        <p:blipFill>
-          <a:blip r:embed="rId3"/>
-          <a:stretch>
-            <a:fillRect/>
-          </a:stretch>
-        </p:blipFill>
-        <p:spPr>
-          <a:xfrm>
-            <a:off x="3118754" y="1034024"/>
-            <a:ext cx="1981200" cy="1257300"/>
+            <a:off x="781292" y="590309"/>
+            <a:ext cx="15486926" cy="1615827"/>
           </a:xfrm>
           <a:prstGeom prst="rect">
             <a:avLst/>
           </a:prstGeom>
-        </p:spPr>
-      </p:pic>
-      <p:cxnSp>
-        <p:nvCxnSpPr>
-          <p:cNvPr id="4" name="Straight Connector 3">
-            <a:extLst>
-              <a:ext uri="{FF2B5EF4-FFF2-40B4-BE49-F238E27FC236}">
-                <a16:creationId xmlns:a16="http://schemas.microsoft.com/office/drawing/2014/main" id="{186E2CA1-16F0-B4E0-64B9-88EB622CDE69}"/>
-              </a:ext>
-            </a:extLst>
-          </p:cNvPr>
-          <p:cNvCxnSpPr>
-            <a:cxnSpLocks/>
-          </p:cNvCxnSpPr>
-          <p:nvPr/>
-        </p:nvCxnSpPr>
-        <p:spPr>
-          <a:xfrm>
-            <a:off x="3118755" y="8784773"/>
-            <a:ext cx="15169245" cy="0"/>
-          </a:xfrm>
-          <a:prstGeom prst="line">
-            <a:avLst/>
-          </a:prstGeom>
-          <a:ln>
-            <a:solidFill>
-              <a:srgbClr val="241F62"/>
-            </a:solidFill>
-          </a:ln>
-        </p:spPr>
-        <p:style>
-          <a:lnRef idx="1">
-            <a:schemeClr val="accent3"/>
-          </a:lnRef>
-          <a:fillRef idx="0">
-            <a:schemeClr val="accent3"/>
-          </a:fillRef>
-          <a:effectRef idx="0">
-            <a:schemeClr val="accent3"/>
-          </a:effectRef>
-          <a:fontRef idx="minor">
-            <a:schemeClr val="tx1"/>
-          </a:fontRef>
-        </p:style>
-      </p:cxnSp>
-      <p:sp>
-        <p:nvSpPr>
-          <p:cNvPr id="8" name="Title 1">
-            <a:extLst>
-              <a:ext uri="{FF2B5EF4-FFF2-40B4-BE49-F238E27FC236}">
-                <a16:creationId xmlns:a16="http://schemas.microsoft.com/office/drawing/2014/main" id="{1A8985E1-8F90-F6B0-F7EC-CDDE7A733DF7}"/>
-              </a:ext>
-            </a:extLst>
-          </p:cNvPr>
-          <p:cNvSpPr txBox="1">
-            <a:spLocks/>
-          </p:cNvSpPr>
-          <p:nvPr/>
-        </p:nvSpPr>
-        <p:spPr>
-          <a:xfrm>
-            <a:off x="3118757" y="6730501"/>
-            <a:ext cx="8204753" cy="1002020"/>
-          </a:xfrm>
-          <a:prstGeom prst="rect">
-            <a:avLst/>
-          </a:prstGeom>
-        </p:spPr>
-        <p:txBody>
-          <a:bodyPr vert="horz" lIns="137160" tIns="68580" rIns="137160" bIns="68580" rtlCol="0" anchor="b">
-            <a:normAutofit/>
+          <a:noFill/>
+        </p:spPr>
+        <p:txBody>
+          <a:bodyPr wrap="square" rtlCol="0">
+            <a:spAutoFit/>
           </a:bodyPr>
-          <a:lstStyle>
-            <a:lvl1pPr algn="ctr" defTabSz="914400" rtl="0" eaLnBrk="1" latinLnBrk="0" hangingPunct="1">
-              <a:lnSpc>
-                <a:spcPct val="90000"/>
-              </a:lnSpc>
-              <a:spcBef>
-                <a:spcPct val="0"/>
-              </a:spcBef>
-              <a:buNone/>
-              <a:defRPr sz="6600" b="1" kern="1200">
+          <a:lstStyle/>
+          <a:p>
+            <a:r>
+              <a:rPr lang="en-US" sz="9900" b="1" dirty="0">
                 <a:solidFill>
                   <a:schemeClr val="bg1"/>
                 </a:solidFill>
-                <a:latin typeface="+mn-lt"/>
-                <a:ea typeface="+mj-ea"/>
-                <a:cs typeface="+mj-cs"/>
-              </a:defRPr>
-            </a:lvl1pPr>
-          </a:lstStyle>
-          <a:p>
-            <a:pPr algn="l"/>
-            <a:r>
-              <a:rPr lang="en-GB" sz="5400" dirty="0">
-                <a:solidFill>
-                  <a:srgbClr val="241F62"/>
-                </a:solidFill>
+                <a:latin typeface="Normafixed Tryout" panose="00000409000000000000" pitchFamily="49" charset="0"/>
               </a:rPr>
-              <a:t>George Mount</a:t>
-            </a:r>
-            <a:endParaRPr lang="en-BG" sz="5400" dirty="0">
-              <a:solidFill>
-                <a:srgbClr val="241F62"/>
-              </a:solidFill>
-            </a:endParaRPr>
-          </a:p>
-        </p:txBody>
-      </p:sp>
-      <p:sp>
-        <p:nvSpPr>
-          <p:cNvPr id="9" name="Title 1">
-            <a:extLst>
-              <a:ext uri="{FF2B5EF4-FFF2-40B4-BE49-F238E27FC236}">
-                <a16:creationId xmlns:a16="http://schemas.microsoft.com/office/drawing/2014/main" id="{98DE1D4A-D586-7074-E50D-A5B56F7BCC15}"/>
-              </a:ext>
-            </a:extLst>
-          </p:cNvPr>
-          <p:cNvSpPr txBox="1">
-            <a:spLocks/>
-          </p:cNvSpPr>
-          <p:nvPr/>
-        </p:nvSpPr>
-        <p:spPr>
-          <a:xfrm>
-            <a:off x="3118756" y="7732518"/>
-            <a:ext cx="8204753" cy="945771"/>
-          </a:xfrm>
-          <a:prstGeom prst="rect">
-            <a:avLst/>
-          </a:prstGeom>
-        </p:spPr>
-        <p:txBody>
-          <a:bodyPr vert="horz" lIns="137160" tIns="68580" rIns="137160" bIns="68580" rtlCol="0" anchor="ctr">
-            <a:normAutofit/>
-          </a:bodyPr>
-          <a:lstStyle>
-            <a:lvl1pPr algn="l" defTabSz="914400" rtl="0" eaLnBrk="1" latinLnBrk="0" hangingPunct="1">
-              <a:lnSpc>
-                <a:spcPct val="90000"/>
-              </a:lnSpc>
-              <a:spcBef>
-                <a:spcPct val="0"/>
-              </a:spcBef>
-              <a:buNone/>
-              <a:defRPr sz="4800" b="1" kern="1200">
-                <a:solidFill>
-                  <a:schemeClr val="bg1"/>
-                </a:solidFill>
-                <a:latin typeface="+mn-lt"/>
-                <a:ea typeface="+mj-ea"/>
-                <a:cs typeface="+mj-cs"/>
-              </a:defRPr>
-            </a:lvl1pPr>
-          </a:lstStyle>
-          <a:p>
-            <a:r>
-              <a:rPr lang="en-GB" sz="4200" dirty="0">
-                <a:solidFill>
-                  <a:srgbClr val="241F62"/>
-                </a:solidFill>
-                <a:latin typeface="+mj-lt"/>
-              </a:rPr>
-              <a:t>Owner, </a:t>
-            </a:r>
-            <a:r>
-              <a:rPr lang="en-GB" sz="4200" dirty="0" err="1">
-                <a:solidFill>
-                  <a:srgbClr val="241F62"/>
-                </a:solidFill>
-                <a:latin typeface="+mj-lt"/>
-              </a:rPr>
-              <a:t>Stringfest</a:t>
-            </a:r>
-            <a:r>
-              <a:rPr lang="en-GB" sz="4200" dirty="0">
-                <a:solidFill>
-                  <a:srgbClr val="241F62"/>
-                </a:solidFill>
-                <a:latin typeface="+mj-lt"/>
-              </a:rPr>
-              <a:t> Analytics</a:t>
-            </a:r>
-            <a:endParaRPr lang="en-BG" sz="4200" dirty="0">
-              <a:solidFill>
-                <a:srgbClr val="241F62"/>
-              </a:solidFill>
-              <a:latin typeface="+mj-lt"/>
-            </a:endParaRPr>
-          </a:p>
-        </p:txBody>
-      </p:sp>
-      <p:sp>
-        <p:nvSpPr>
-          <p:cNvPr id="10" name="Title 1">
-            <a:extLst>
-              <a:ext uri="{FF2B5EF4-FFF2-40B4-BE49-F238E27FC236}">
-                <a16:creationId xmlns:a16="http://schemas.microsoft.com/office/drawing/2014/main" id="{561C295B-FF22-B70D-472D-005A6DA36038}"/>
-              </a:ext>
-            </a:extLst>
-          </p:cNvPr>
-          <p:cNvSpPr txBox="1">
-            <a:spLocks/>
-          </p:cNvSpPr>
-          <p:nvPr/>
-        </p:nvSpPr>
-        <p:spPr>
-          <a:xfrm>
-            <a:off x="3599975" y="9087789"/>
-            <a:ext cx="6368147" cy="945771"/>
-          </a:xfrm>
-          <a:prstGeom prst="rect">
-            <a:avLst/>
-          </a:prstGeom>
-        </p:spPr>
-        <p:txBody>
-          <a:bodyPr vert="horz" lIns="137160" tIns="68580" rIns="137160" bIns="68580" rtlCol="0" anchor="ctr">
-            <a:normAutofit/>
-          </a:bodyPr>
-          <a:lstStyle>
-            <a:lvl1pPr algn="l" defTabSz="914400" rtl="0" eaLnBrk="1" latinLnBrk="0" hangingPunct="1">
-              <a:lnSpc>
-                <a:spcPct val="90000"/>
-              </a:lnSpc>
-              <a:spcBef>
-                <a:spcPct val="0"/>
-              </a:spcBef>
-              <a:buNone/>
-              <a:defRPr sz="4800" b="1" kern="1200">
-                <a:solidFill>
-                  <a:schemeClr val="bg1"/>
-                </a:solidFill>
-                <a:latin typeface="+mn-lt"/>
-                <a:ea typeface="+mj-ea"/>
-                <a:cs typeface="+mj-cs"/>
-              </a:defRPr>
-            </a:lvl1pPr>
-          </a:lstStyle>
-          <a:p>
-            <a:r>
-              <a:rPr lang="en-GB" sz="3200" dirty="0">
-                <a:solidFill>
-                  <a:srgbClr val="241F62"/>
-                </a:solidFill>
-              </a:rPr>
-              <a:t>stringfestanalytics.com</a:t>
-            </a:r>
-            <a:endParaRPr lang="en-BG" sz="3200" dirty="0">
-              <a:solidFill>
-                <a:srgbClr val="241F62"/>
-              </a:solidFill>
-            </a:endParaRPr>
-          </a:p>
-        </p:txBody>
-      </p:sp>
-      <p:sp>
-        <p:nvSpPr>
-          <p:cNvPr id="11" name="Title 1">
-            <a:extLst>
-              <a:ext uri="{FF2B5EF4-FFF2-40B4-BE49-F238E27FC236}">
-                <a16:creationId xmlns:a16="http://schemas.microsoft.com/office/drawing/2014/main" id="{38758F10-53E3-C630-0422-E4789496DCF5}"/>
-              </a:ext>
-            </a:extLst>
-          </p:cNvPr>
-          <p:cNvSpPr txBox="1">
-            <a:spLocks/>
-          </p:cNvSpPr>
-          <p:nvPr/>
-        </p:nvSpPr>
-        <p:spPr>
-          <a:xfrm>
-            <a:off x="8554808" y="9087789"/>
-            <a:ext cx="3372150" cy="945771"/>
-          </a:xfrm>
-          <a:prstGeom prst="rect">
-            <a:avLst/>
-          </a:prstGeom>
-        </p:spPr>
-        <p:txBody>
-          <a:bodyPr vert="horz" lIns="137160" tIns="68580" rIns="137160" bIns="68580" rtlCol="0" anchor="ctr">
-            <a:normAutofit/>
-          </a:bodyPr>
-          <a:lstStyle>
-            <a:lvl1pPr algn="l" defTabSz="914400" rtl="0" eaLnBrk="1" latinLnBrk="0" hangingPunct="1">
-              <a:lnSpc>
-                <a:spcPct val="90000"/>
-              </a:lnSpc>
-              <a:spcBef>
-                <a:spcPct val="0"/>
-              </a:spcBef>
-              <a:buNone/>
-              <a:defRPr sz="4800" b="1" kern="1200">
-                <a:solidFill>
-                  <a:schemeClr val="bg1"/>
-                </a:solidFill>
-                <a:latin typeface="+mn-lt"/>
-                <a:ea typeface="+mj-ea"/>
-                <a:cs typeface="+mj-cs"/>
-              </a:defRPr>
-            </a:lvl1pPr>
-          </a:lstStyle>
-          <a:p>
-            <a:r>
-              <a:rPr lang="en-GB" sz="3600" dirty="0">
-                <a:solidFill>
-                  <a:srgbClr val="241F62"/>
-                </a:solidFill>
-              </a:rPr>
-              <a:t>George Mount</a:t>
-            </a:r>
-            <a:endParaRPr lang="en-BG" sz="3600" dirty="0">
-              <a:solidFill>
-                <a:srgbClr val="241F62"/>
-              </a:solidFill>
-            </a:endParaRPr>
-          </a:p>
-        </p:txBody>
-      </p:sp>
-      <p:pic>
-        <p:nvPicPr>
-          <p:cNvPr id="13" name="Picture 12">
-            <a:extLst>
-              <a:ext uri="{FF2B5EF4-FFF2-40B4-BE49-F238E27FC236}">
-                <a16:creationId xmlns:a16="http://schemas.microsoft.com/office/drawing/2014/main" id="{564B3460-4BA9-3488-F2B8-387A09E6D3DD}"/>
-              </a:ext>
-            </a:extLst>
-          </p:cNvPr>
-          <p:cNvPicPr>
-            <a:picLocks noChangeAspect="1"/>
-          </p:cNvPicPr>
-          <p:nvPr/>
-        </p:nvPicPr>
-        <p:blipFill>
-          <a:blip r:embed="rId4"/>
-          <a:srcRect/>
-          <a:stretch/>
-        </p:blipFill>
-        <p:spPr>
-          <a:xfrm>
-            <a:off x="8073587" y="9379700"/>
-            <a:ext cx="361950" cy="361950"/>
-          </a:xfrm>
-          <a:prstGeom prst="rect">
-            <a:avLst/>
-          </a:prstGeom>
-        </p:spPr>
-      </p:pic>
-      <p:pic>
-        <p:nvPicPr>
-          <p:cNvPr id="15" name="Picture 14">
-            <a:extLst>
-              <a:ext uri="{FF2B5EF4-FFF2-40B4-BE49-F238E27FC236}">
-                <a16:creationId xmlns:a16="http://schemas.microsoft.com/office/drawing/2014/main" id="{669ED92D-10C9-7EA6-C719-CC63A8906E16}"/>
-              </a:ext>
-            </a:extLst>
-          </p:cNvPr>
-          <p:cNvPicPr>
-            <a:picLocks noChangeAspect="1"/>
-          </p:cNvPicPr>
-          <p:nvPr/>
-        </p:nvPicPr>
-        <p:blipFill>
-          <a:blip r:embed="rId5"/>
-          <a:srcRect/>
-          <a:stretch/>
-        </p:blipFill>
-        <p:spPr>
-          <a:xfrm>
-            <a:off x="3118754" y="9354912"/>
-            <a:ext cx="361950" cy="361950"/>
-          </a:xfrm>
-          <a:prstGeom prst="rect">
-            <a:avLst/>
-          </a:prstGeom>
-        </p:spPr>
-      </p:pic>
-      <p:pic>
-        <p:nvPicPr>
-          <p:cNvPr id="17" name="Picture 16">
-            <a:extLst>
-              <a:ext uri="{FF2B5EF4-FFF2-40B4-BE49-F238E27FC236}">
-                <a16:creationId xmlns:a16="http://schemas.microsoft.com/office/drawing/2014/main" id="{E3437C69-0BD3-C2F3-E6CD-963C3E9AE530}"/>
-              </a:ext>
-            </a:extLst>
-          </p:cNvPr>
-          <p:cNvPicPr>
-            <a:picLocks noChangeAspect="1"/>
-          </p:cNvPicPr>
-          <p:nvPr/>
-        </p:nvPicPr>
-        <p:blipFill>
-          <a:blip r:embed="rId6">
-            <a:extLst>
-              <a:ext uri="{28A0092B-C50C-407E-A947-70E740481C1C}">
-                <a14:useLocalDpi xmlns:a14="http://schemas.microsoft.com/office/drawing/2010/main" val="0"/>
-              </a:ext>
-            </a:extLst>
-          </a:blip>
-          <a:srcRect/>
-          <a:stretch/>
-        </p:blipFill>
-        <p:spPr>
-          <a:xfrm>
-            <a:off x="12264561" y="9354912"/>
-            <a:ext cx="361950" cy="361950"/>
-          </a:xfrm>
-          <a:prstGeom prst="rect">
-            <a:avLst/>
-          </a:prstGeom>
-        </p:spPr>
-      </p:pic>
-      <p:sp>
-        <p:nvSpPr>
-          <p:cNvPr id="18" name="Title 1">
-            <a:extLst>
-              <a:ext uri="{FF2B5EF4-FFF2-40B4-BE49-F238E27FC236}">
-                <a16:creationId xmlns:a16="http://schemas.microsoft.com/office/drawing/2014/main" id="{73C888AA-12C8-1F73-16FF-2F8C1826D5F5}"/>
-              </a:ext>
-            </a:extLst>
-          </p:cNvPr>
-          <p:cNvSpPr txBox="1">
-            <a:spLocks/>
-          </p:cNvSpPr>
-          <p:nvPr/>
-        </p:nvSpPr>
-        <p:spPr>
-          <a:xfrm>
-            <a:off x="12755658" y="9087789"/>
-            <a:ext cx="3372150" cy="945771"/>
-          </a:xfrm>
-          <a:prstGeom prst="rect">
-            <a:avLst/>
-          </a:prstGeom>
-        </p:spPr>
-        <p:txBody>
-          <a:bodyPr vert="horz" lIns="137160" tIns="68580" rIns="137160" bIns="68580" rtlCol="0" anchor="ctr">
-            <a:normAutofit/>
-          </a:bodyPr>
-          <a:lstStyle>
-            <a:lvl1pPr algn="l" defTabSz="914400" rtl="0" eaLnBrk="1" latinLnBrk="0" hangingPunct="1">
-              <a:lnSpc>
-                <a:spcPct val="90000"/>
-              </a:lnSpc>
-              <a:spcBef>
-                <a:spcPct val="0"/>
-              </a:spcBef>
-              <a:buNone/>
-              <a:defRPr sz="4800" b="1" kern="1200">
-                <a:solidFill>
-                  <a:schemeClr val="bg1"/>
-                </a:solidFill>
-                <a:latin typeface="+mn-lt"/>
-                <a:ea typeface="+mj-ea"/>
-                <a:cs typeface="+mj-cs"/>
-              </a:defRPr>
-            </a:lvl1pPr>
-          </a:lstStyle>
-          <a:p>
-            <a:r>
-              <a:rPr lang="en-GB" sz="3600" dirty="0">
-                <a:solidFill>
-                  <a:srgbClr val="241F62"/>
-                </a:solidFill>
-              </a:rPr>
-              <a:t>@gjmount</a:t>
-            </a:r>
-            <a:endParaRPr lang="en-BG" sz="3600" dirty="0">
-              <a:solidFill>
-                <a:srgbClr val="241F62"/>
-              </a:solidFill>
-            </a:endParaRPr>
+              <a:t>Thank you</a:t>
+            </a:r>
           </a:p>
         </p:txBody>
       </p:sp>
     </p:spTree>
     <p:extLst>
       <p:ext uri="{BB962C8B-B14F-4D97-AF65-F5344CB8AC3E}">
-        <p14:creationId xmlns:p14="http://schemas.microsoft.com/office/powerpoint/2010/main" val="3981852199"/>
+        <p14:creationId xmlns:p14="http://schemas.microsoft.com/office/powerpoint/2010/main" val="657829062"/>
       </p:ext>
     </p:extLst>
   </p:cSld>
@@ -7210,14 +6456,60 @@
       </p:grpSpPr>
       <p:sp>
         <p:nvSpPr>
-          <p:cNvPr id="11" name="TextBox 10"/>
+          <p:cNvPr id="4" name="Rectangle 3"/>
+          <p:cNvSpPr/>
+          <p:nvPr/>
+        </p:nvSpPr>
+        <p:spPr>
+          <a:xfrm>
+            <a:off x="0" y="0"/>
+            <a:ext cx="18288000" cy="10287000"/>
+          </a:xfrm>
+          <a:prstGeom prst="rect">
+            <a:avLst/>
+          </a:prstGeom>
+          <a:solidFill>
+            <a:srgbClr val="CF3338"/>
+          </a:solidFill>
+          <a:ln>
+            <a:noFill/>
+          </a:ln>
+        </p:spPr>
+        <p:style>
+          <a:lnRef idx="2">
+            <a:schemeClr val="accent1">
+              <a:shade val="50000"/>
+            </a:schemeClr>
+          </a:lnRef>
+          <a:fillRef idx="1">
+            <a:schemeClr val="accent1"/>
+          </a:fillRef>
+          <a:effectRef idx="0">
+            <a:schemeClr val="accent1"/>
+          </a:effectRef>
+          <a:fontRef idx="minor">
+            <a:schemeClr val="lt1"/>
+          </a:fontRef>
+        </p:style>
+        <p:txBody>
+          <a:bodyPr rtlCol="0" anchor="ctr"/>
+          <a:lstStyle/>
+          <a:p>
+            <a:pPr algn="ctr"/>
+            <a:endParaRPr lang="en-US" sz="2700"/>
+          </a:p>
+        </p:txBody>
+      </p:sp>
+      <p:sp>
+        <p:nvSpPr>
+          <p:cNvPr id="5" name="TextBox 4"/>
           <p:cNvSpPr txBox="1"/>
           <p:nvPr/>
         </p:nvSpPr>
         <p:spPr>
           <a:xfrm>
-            <a:off x="520861" y="170082"/>
-            <a:ext cx="11979797" cy="1477328"/>
+            <a:off x="781292" y="590309"/>
+            <a:ext cx="15486926" cy="3139321"/>
           </a:xfrm>
           <a:prstGeom prst="rect">
             <a:avLst/>
@@ -7231,119 +6523,21 @@
           <a:lstStyle/>
           <a:p>
             <a:r>
-              <a:rPr lang="en-US" sz="9000" dirty="0">
-                <a:latin typeface="Aliens &amp; cows" panose="00000500000000000000" pitchFamily="2" charset="0"/>
+              <a:rPr lang="en-US" sz="9900" b="1" dirty="0">
+                <a:solidFill>
+                  <a:schemeClr val="bg1"/>
+                </a:solidFill>
+                <a:latin typeface="Normafixed Tryout" panose="00000409000000000000" pitchFamily="49" charset="0"/>
               </a:rPr>
-              <a:t>Following along</a:t>
-            </a:r>
-          </a:p>
-        </p:txBody>
-      </p:sp>
-      <p:sp>
-        <p:nvSpPr>
-          <p:cNvPr id="3" name="TextBox 2"/>
-          <p:cNvSpPr txBox="1"/>
-          <p:nvPr/>
-        </p:nvSpPr>
-        <p:spPr>
-          <a:xfrm>
-            <a:off x="520861" y="3191948"/>
-            <a:ext cx="14393120" cy="3046988"/>
-          </a:xfrm>
-          <a:prstGeom prst="rect">
-            <a:avLst/>
-          </a:prstGeom>
-          <a:noFill/>
-        </p:spPr>
-        <p:txBody>
-          <a:bodyPr wrap="square" rtlCol="0">
-            <a:spAutoFit/>
-          </a:bodyPr>
-          <a:lstStyle/>
-          <a:p>
-            <a:pPr>
-              <a:buClr>
-                <a:srgbClr val="CF3338"/>
-              </a:buClr>
-            </a:pPr>
-            <a:r>
-              <a:rPr lang="en-US" sz="9600" dirty="0">
-                <a:solidFill>
-                  <a:srgbClr val="707070"/>
-                </a:solidFill>
-                <a:latin typeface="Pragmatica" panose="020B0403040502020204" pitchFamily="34" charset="0"/>
-              </a:rPr>
-              <a:t>Download the resources:</a:t>
-            </a:r>
-          </a:p>
-          <a:p>
-            <a:pPr>
-              <a:buClr>
-                <a:srgbClr val="CF3338"/>
-              </a:buClr>
-            </a:pPr>
-            <a:r>
-              <a:rPr lang="en-US" sz="9600" dirty="0">
-                <a:solidFill>
-                  <a:srgbClr val="707070"/>
-                </a:solidFill>
-                <a:latin typeface="Pragmatica" panose="020B0403040502020204" pitchFamily="34" charset="0"/>
-                <a:hlinkClick r:id="rId2"/>
-              </a:rPr>
-              <a:t>https://swiy.co/pie</a:t>
-            </a:r>
-            <a:r>
-              <a:rPr lang="en-US" sz="9600" dirty="0">
-                <a:solidFill>
-                  <a:srgbClr val="707070"/>
-                </a:solidFill>
-                <a:latin typeface="Pragmatica" panose="020B0403040502020204" pitchFamily="34" charset="0"/>
-              </a:rPr>
-              <a:t>  </a:t>
-            </a:r>
-          </a:p>
-        </p:txBody>
-      </p:sp>
-      <p:pic>
-        <p:nvPicPr>
-          <p:cNvPr id="15" name="Picture 14" descr="A close up of a sign&#10;&#10;Description automatically generated">
-            <a:extLst>
-              <a:ext uri="{FF2B5EF4-FFF2-40B4-BE49-F238E27FC236}">
-                <a16:creationId xmlns:a16="http://schemas.microsoft.com/office/drawing/2014/main" id="{29761B90-A7DE-4A60-A915-F085BD87CAB4}"/>
-              </a:ext>
-            </a:extLst>
-          </p:cNvPr>
-          <p:cNvPicPr>
-            <a:picLocks noChangeAspect="1"/>
-          </p:cNvPicPr>
-          <p:nvPr/>
-        </p:nvPicPr>
-        <p:blipFill>
-          <a:blip r:embed="rId3">
-            <a:extLst>
-              <a:ext uri="{28A0092B-C50C-407E-A947-70E740481C1C}">
-                <a14:useLocalDpi xmlns:a14="http://schemas.microsoft.com/office/drawing/2010/main" val="0"/>
-              </a:ext>
-            </a:extLst>
-          </a:blip>
-          <a:stretch>
-            <a:fillRect/>
-          </a:stretch>
-        </p:blipFill>
-        <p:spPr>
-          <a:xfrm>
-            <a:off x="16341036" y="8058429"/>
-            <a:ext cx="1942857" cy="2228571"/>
-          </a:xfrm>
-          <a:prstGeom prst="rect">
-            <a:avLst/>
-          </a:prstGeom>
-        </p:spPr>
-      </p:pic>
+              <a:t>1. Understanding the Python in Excel environment</a:t>
+            </a:r>
+          </a:p>
+        </p:txBody>
+      </p:sp>
     </p:spTree>
     <p:extLst>
       <p:ext uri="{BB962C8B-B14F-4D97-AF65-F5344CB8AC3E}">
-        <p14:creationId xmlns:p14="http://schemas.microsoft.com/office/powerpoint/2010/main" val="2101481658"/>
+        <p14:creationId xmlns:p14="http://schemas.microsoft.com/office/powerpoint/2010/main" val="3953945792"/>
       </p:ext>
     </p:extLst>
   </p:cSld>
@@ -7378,116 +6572,6 @@
         </p:nvSpPr>
         <p:spPr>
           <a:xfrm>
-            <a:off x="0" y="0"/>
-            <a:ext cx="18288000" cy="10287000"/>
-          </a:xfrm>
-          <a:prstGeom prst="rect">
-            <a:avLst/>
-          </a:prstGeom>
-          <a:solidFill>
-            <a:srgbClr val="CF3338"/>
-          </a:solidFill>
-          <a:ln>
-            <a:noFill/>
-          </a:ln>
-        </p:spPr>
-        <p:style>
-          <a:lnRef idx="2">
-            <a:schemeClr val="accent1">
-              <a:shade val="50000"/>
-            </a:schemeClr>
-          </a:lnRef>
-          <a:fillRef idx="1">
-            <a:schemeClr val="accent1"/>
-          </a:fillRef>
-          <a:effectRef idx="0">
-            <a:schemeClr val="accent1"/>
-          </a:effectRef>
-          <a:fontRef idx="minor">
-            <a:schemeClr val="lt1"/>
-          </a:fontRef>
-        </p:style>
-        <p:txBody>
-          <a:bodyPr rtlCol="0" anchor="ctr"/>
-          <a:lstStyle/>
-          <a:p>
-            <a:pPr algn="ctr"/>
-            <a:endParaRPr lang="en-US" sz="2700"/>
-          </a:p>
-        </p:txBody>
-      </p:sp>
-      <p:sp>
-        <p:nvSpPr>
-          <p:cNvPr id="5" name="TextBox 4"/>
-          <p:cNvSpPr txBox="1"/>
-          <p:nvPr/>
-        </p:nvSpPr>
-        <p:spPr>
-          <a:xfrm>
-            <a:off x="781292" y="590309"/>
-            <a:ext cx="15486926" cy="3139321"/>
-          </a:xfrm>
-          <a:prstGeom prst="rect">
-            <a:avLst/>
-          </a:prstGeom>
-          <a:noFill/>
-        </p:spPr>
-        <p:txBody>
-          <a:bodyPr wrap="square" rtlCol="0">
-            <a:spAutoFit/>
-          </a:bodyPr>
-          <a:lstStyle/>
-          <a:p>
-            <a:r>
-              <a:rPr lang="en-US" sz="9900" b="1" dirty="0">
-                <a:solidFill>
-                  <a:schemeClr val="bg1"/>
-                </a:solidFill>
-                <a:latin typeface="Normafixed Tryout" panose="00000409000000000000" pitchFamily="49" charset="0"/>
-              </a:rPr>
-              <a:t>1. Understanding the Python in Excel environment</a:t>
-            </a:r>
-          </a:p>
-        </p:txBody>
-      </p:sp>
-    </p:spTree>
-    <p:extLst>
-      <p:ext uri="{BB962C8B-B14F-4D97-AF65-F5344CB8AC3E}">
-        <p14:creationId xmlns:p14="http://schemas.microsoft.com/office/powerpoint/2010/main" val="3953945792"/>
-      </p:ext>
-    </p:extLst>
-  </p:cSld>
-  <p:clrMapOvr>
-    <a:masterClrMapping/>
-  </p:clrMapOvr>
-</p:sld>
-</file>
-
-<file path=ppt/slides/slide6.xml><?xml version="1.0" encoding="utf-8"?>
-<p:sld xmlns:a="http://schemas.openxmlformats.org/drawingml/2006/main" xmlns:r="http://schemas.openxmlformats.org/officeDocument/2006/relationships" xmlns:p="http://schemas.openxmlformats.org/presentationml/2006/main">
-  <p:cSld>
-    <p:spTree>
-      <p:nvGrpSpPr>
-        <p:cNvPr id="1" name=""/>
-        <p:cNvGrpSpPr/>
-        <p:nvPr/>
-      </p:nvGrpSpPr>
-      <p:grpSpPr>
-        <a:xfrm>
-          <a:off x="0" y="0"/>
-          <a:ext cx="0" cy="0"/>
-          <a:chOff x="0" y="0"/>
-          <a:chExt cx="0" cy="0"/>
-        </a:xfrm>
-      </p:grpSpPr>
-      <p:sp>
-        <p:nvSpPr>
-          <p:cNvPr id="4" name="Rectangle 3"/>
-          <p:cNvSpPr/>
-          <p:nvPr/>
-        </p:nvSpPr>
-        <p:spPr>
-          <a:xfrm>
             <a:off x="9861630" y="0"/>
             <a:ext cx="8426370" cy="10287000"/>
           </a:xfrm>
@@ -7736,7 +6820,7 @@
 </p:sld>
 </file>
 
-<file path=ppt/slides/slide7.xml><?xml version="1.0" encoding="utf-8"?>
+<file path=ppt/slides/slide6.xml><?xml version="1.0" encoding="utf-8"?>
 <p:sld xmlns:a="http://schemas.openxmlformats.org/drawingml/2006/main" xmlns:r="http://schemas.openxmlformats.org/officeDocument/2006/relationships" xmlns:p="http://schemas.openxmlformats.org/presentationml/2006/main">
   <p:cSld>
     <p:spTree>
@@ -7894,6 +6978,116 @@
 </p:sld>
 </file>
 
+<file path=ppt/slides/slide7.xml><?xml version="1.0" encoding="utf-8"?>
+<p:sld xmlns:a="http://schemas.openxmlformats.org/drawingml/2006/main" xmlns:r="http://schemas.openxmlformats.org/officeDocument/2006/relationships" xmlns:p="http://schemas.openxmlformats.org/presentationml/2006/main">
+  <p:cSld>
+    <p:spTree>
+      <p:nvGrpSpPr>
+        <p:cNvPr id="1" name=""/>
+        <p:cNvGrpSpPr/>
+        <p:nvPr/>
+      </p:nvGrpSpPr>
+      <p:grpSpPr>
+        <a:xfrm>
+          <a:off x="0" y="0"/>
+          <a:ext cx="0" cy="0"/>
+          <a:chOff x="0" y="0"/>
+          <a:chExt cx="0" cy="0"/>
+        </a:xfrm>
+      </p:grpSpPr>
+      <p:sp>
+        <p:nvSpPr>
+          <p:cNvPr id="4" name="Rectangle 3"/>
+          <p:cNvSpPr/>
+          <p:nvPr/>
+        </p:nvSpPr>
+        <p:spPr>
+          <a:xfrm>
+            <a:off x="0" y="0"/>
+            <a:ext cx="18288000" cy="10287000"/>
+          </a:xfrm>
+          <a:prstGeom prst="rect">
+            <a:avLst/>
+          </a:prstGeom>
+          <a:solidFill>
+            <a:srgbClr val="CF3338"/>
+          </a:solidFill>
+          <a:ln>
+            <a:noFill/>
+          </a:ln>
+        </p:spPr>
+        <p:style>
+          <a:lnRef idx="2">
+            <a:schemeClr val="accent1">
+              <a:shade val="50000"/>
+            </a:schemeClr>
+          </a:lnRef>
+          <a:fillRef idx="1">
+            <a:schemeClr val="accent1"/>
+          </a:fillRef>
+          <a:effectRef idx="0">
+            <a:schemeClr val="accent1"/>
+          </a:effectRef>
+          <a:fontRef idx="minor">
+            <a:schemeClr val="lt1"/>
+          </a:fontRef>
+        </p:style>
+        <p:txBody>
+          <a:bodyPr rtlCol="0" anchor="ctr"/>
+          <a:lstStyle/>
+          <a:p>
+            <a:pPr algn="ctr"/>
+            <a:endParaRPr lang="en-US" sz="2700"/>
+          </a:p>
+        </p:txBody>
+      </p:sp>
+      <p:sp>
+        <p:nvSpPr>
+          <p:cNvPr id="5" name="TextBox 4"/>
+          <p:cNvSpPr txBox="1"/>
+          <p:nvPr/>
+        </p:nvSpPr>
+        <p:spPr>
+          <a:xfrm>
+            <a:off x="781292" y="590309"/>
+            <a:ext cx="15486926" cy="3139321"/>
+          </a:xfrm>
+          <a:prstGeom prst="rect">
+            <a:avLst/>
+          </a:prstGeom>
+          <a:noFill/>
+        </p:spPr>
+        <p:txBody>
+          <a:bodyPr wrap="square" rtlCol="0">
+            <a:spAutoFit/>
+          </a:bodyPr>
+          <a:lstStyle/>
+          <a:p>
+            <a:r>
+              <a:rPr lang="en-US" sz="9900" b="1" dirty="0">
+                <a:solidFill>
+                  <a:schemeClr val="bg1"/>
+                </a:solidFill>
+                <a:latin typeface="Normafixed Tryout" panose="00000409000000000000" pitchFamily="49" charset="0"/>
+              </a:rPr>
+              <a:t>2. From “that’s hard in Excel” to “that’s easy in Python”</a:t>
+            </a:r>
+          </a:p>
+        </p:txBody>
+      </p:sp>
+    </p:spTree>
+    <p:extLst>
+      <p:ext uri="{BB962C8B-B14F-4D97-AF65-F5344CB8AC3E}">
+        <p14:creationId xmlns:p14="http://schemas.microsoft.com/office/powerpoint/2010/main" val="2491588467"/>
+      </p:ext>
+    </p:extLst>
+  </p:cSld>
+  <p:clrMapOvr>
+    <a:masterClrMapping/>
+  </p:clrMapOvr>
+</p:sld>
+</file>
+
 <file path=ppt/slides/slide8.xml><?xml version="1.0" encoding="utf-8"?>
 <p:sld xmlns:a="http://schemas.openxmlformats.org/drawingml/2006/main" xmlns:r="http://schemas.openxmlformats.org/officeDocument/2006/relationships" xmlns:p="http://schemas.openxmlformats.org/presentationml/2006/main">
   <p:cSld>
@@ -7919,8 +7113,8 @@
         </p:nvSpPr>
         <p:spPr>
           <a:xfrm>
-            <a:off x="0" y="0"/>
-            <a:ext cx="18288000" cy="10287000"/>
+            <a:off x="9861630" y="0"/>
+            <a:ext cx="8426370" cy="10287000"/>
           </a:xfrm>
           <a:prstGeom prst="rect">
             <a:avLst/>
@@ -7957,16 +7151,45 @@
           </a:p>
         </p:txBody>
       </p:sp>
-      <p:sp>
-        <p:nvSpPr>
-          <p:cNvPr id="5" name="TextBox 4"/>
+      <p:pic>
+        <p:nvPicPr>
+          <p:cNvPr id="2" name="Picture 1"/>
+          <p:cNvPicPr>
+            <a:picLocks noChangeAspect="1"/>
+          </p:cNvPicPr>
+          <p:nvPr/>
+        </p:nvPicPr>
+        <p:blipFill rotWithShape="1">
+          <a:blip r:embed="rId3">
+            <a:extLst>
+              <a:ext uri="{28A0092B-C50C-407E-A947-70E740481C1C}">
+                <a14:useLocalDpi xmlns:a14="http://schemas.microsoft.com/office/drawing/2010/main" val="0"/>
+              </a:ext>
+            </a:extLst>
+          </a:blip>
+          <a:srcRect l="69227" t="33418" r="20112" b="50548"/>
+          <a:stretch/>
+        </p:blipFill>
+        <p:spPr>
+          <a:xfrm>
+            <a:off x="15579524" y="7544693"/>
+            <a:ext cx="2708477" cy="2987579"/>
+          </a:xfrm>
+          <a:prstGeom prst="rect">
+            <a:avLst/>
+          </a:prstGeom>
+        </p:spPr>
+      </p:pic>
+      <p:sp>
+        <p:nvSpPr>
+          <p:cNvPr id="3" name="TextBox 2"/>
           <p:cNvSpPr txBox="1"/>
           <p:nvPr/>
         </p:nvSpPr>
         <p:spPr>
           <a:xfrm>
-            <a:off x="781292" y="590309"/>
-            <a:ext cx="15486926" cy="3139321"/>
+            <a:off x="260431" y="329879"/>
+            <a:ext cx="8906720" cy="8027326"/>
           </a:xfrm>
           <a:prstGeom prst="rect">
             <a:avLst/>
@@ -7980,21 +7203,176 @@
           <a:lstStyle/>
           <a:p>
             <a:r>
-              <a:rPr lang="en-US" sz="9900" b="1" dirty="0">
+              <a:rPr lang="en-US" sz="6000" b="1" dirty="0">
                 <a:solidFill>
-                  <a:schemeClr val="bg1"/>
+                  <a:srgbClr val="CF3338"/>
                 </a:solidFill>
-                <a:latin typeface="Normafixed Tryout" panose="00000409000000000000" pitchFamily="49" charset="0"/>
+                <a:latin typeface="Pragmatica" panose="020B0403040502020204" pitchFamily="34" charset="0"/>
               </a:rPr>
-              <a:t>2. From “that’s hard in Excel” to “that’s easy in Python”</a:t>
-            </a:r>
+              <a:t>From “that’s hard in Excel” to “that’s easy in Python”</a:t>
+            </a:r>
+            <a:endParaRPr lang="en-US" sz="4200" dirty="0">
+              <a:solidFill>
+                <a:srgbClr val="CF3338"/>
+              </a:solidFill>
+              <a:latin typeface="Pragmatica" panose="020B0403040502020204" pitchFamily="34" charset="0"/>
+            </a:endParaRPr>
+          </a:p>
+          <a:p>
+            <a:pPr marL="685800" indent="-542925">
+              <a:lnSpc>
+                <a:spcPct val="115000"/>
+              </a:lnSpc>
+              <a:spcBef>
+                <a:spcPts val="1125"/>
+              </a:spcBef>
+              <a:buClr>
+                <a:srgbClr val="C00000"/>
+              </a:buClr>
+              <a:buSzPts val="2100"/>
+              <a:buFont typeface="Arial"/>
+              <a:buAutoNum type="arabicPeriod"/>
+            </a:pPr>
+            <a:r>
+              <a:rPr lang="en-US" sz="3600" dirty="0">
+                <a:solidFill>
+                  <a:srgbClr val="C00000"/>
+                </a:solidFill>
+                <a:latin typeface="Pragmatica" panose="020B0403040502020204"/>
+                <a:sym typeface="Consolas"/>
+              </a:rPr>
+              <a:t>Data profiling: What is the shape, size, completeness?</a:t>
+            </a:r>
+          </a:p>
+          <a:p>
+            <a:pPr marL="685800" indent="-542925">
+              <a:lnSpc>
+                <a:spcPct val="115000"/>
+              </a:lnSpc>
+              <a:spcBef>
+                <a:spcPts val="1125"/>
+              </a:spcBef>
+              <a:buClr>
+                <a:srgbClr val="C00000"/>
+              </a:buClr>
+              <a:buSzPts val="2100"/>
+              <a:buFont typeface="Arial"/>
+              <a:buAutoNum type="arabicPeriod"/>
+            </a:pPr>
+            <a:r>
+              <a:rPr lang="en-US" sz="3600" dirty="0">
+                <a:solidFill>
+                  <a:srgbClr val="C00000"/>
+                </a:solidFill>
+                <a:latin typeface="Pragmatica" panose="020B0403040502020204"/>
+                <a:sym typeface="Consolas"/>
+              </a:rPr>
+              <a:t>Time series: pandas for panel data</a:t>
+            </a:r>
+          </a:p>
+          <a:p>
+            <a:pPr marL="685800" indent="-542925">
+              <a:lnSpc>
+                <a:spcPct val="115000"/>
+              </a:lnSpc>
+              <a:spcBef>
+                <a:spcPts val="1125"/>
+              </a:spcBef>
+              <a:buClr>
+                <a:srgbClr val="C00000"/>
+              </a:buClr>
+              <a:buSzPts val="2100"/>
+              <a:buFont typeface="Arial"/>
+              <a:buAutoNum type="arabicPeriod"/>
+            </a:pPr>
+            <a:r>
+              <a:rPr lang="en-US" sz="3600" dirty="0">
+                <a:solidFill>
+                  <a:srgbClr val="C00000"/>
+                </a:solidFill>
+                <a:latin typeface="Pragmatica" panose="020B0403040502020204"/>
+                <a:sym typeface="Consolas"/>
+              </a:rPr>
+              <a:t>Visualizations: What are the distributions and relationships in this data?</a:t>
+            </a:r>
+          </a:p>
+          <a:p>
+            <a:pPr marL="685800" indent="-542925">
+              <a:lnSpc>
+                <a:spcPct val="115000"/>
+              </a:lnSpc>
+              <a:spcBef>
+                <a:spcPts val="1125"/>
+              </a:spcBef>
+              <a:buClr>
+                <a:srgbClr val="C00000"/>
+              </a:buClr>
+              <a:buSzPts val="2100"/>
+              <a:buFont typeface="Arial"/>
+              <a:buAutoNum type="arabicPeriod"/>
+            </a:pPr>
+            <a:endParaRPr lang="en-US" sz="3600" dirty="0">
+              <a:solidFill>
+                <a:srgbClr val="C00000"/>
+              </a:solidFill>
+              <a:latin typeface="Pragmatica" panose="020B0403040502020204"/>
+              <a:sym typeface="Consolas"/>
+            </a:endParaRPr>
+          </a:p>
+          <a:p>
+            <a:pPr marL="142875">
+              <a:lnSpc>
+                <a:spcPct val="115000"/>
+              </a:lnSpc>
+              <a:spcBef>
+                <a:spcPts val="1125"/>
+              </a:spcBef>
+              <a:buClr>
+                <a:srgbClr val="C00000"/>
+              </a:buClr>
+              <a:buSzPts val="2100"/>
+            </a:pPr>
+            <a:r>
+              <a:rPr lang="en-US" sz="3600" dirty="0">
+                <a:solidFill>
+                  <a:srgbClr val="C00000"/>
+                </a:solidFill>
+                <a:latin typeface="Pragmatica" panose="020B0403040502020204"/>
+                <a:sym typeface="Consolas"/>
+              </a:rPr>
+              <a:t>File: </a:t>
+            </a:r>
+            <a:r>
+              <a:rPr lang="en-US" sz="3600" dirty="0">
+                <a:solidFill>
+                  <a:srgbClr val="C00000"/>
+                </a:solidFill>
+                <a:latin typeface="Consolas" panose="020B0609020204030204" pitchFamily="49" charset="0"/>
+                <a:sym typeface="Consolas"/>
+              </a:rPr>
+              <a:t>hard-excel-easy-python.xlsx</a:t>
+            </a:r>
+            <a:endParaRPr lang="en-US" sz="6000" dirty="0">
+              <a:solidFill>
+                <a:srgbClr val="CF3338"/>
+              </a:solidFill>
+              <a:latin typeface="Consolas" panose="020B0609020204030204" pitchFamily="49" charset="0"/>
+            </a:endParaRPr>
+          </a:p>
+          <a:p>
+            <a:endParaRPr lang="en-US" sz="6000" dirty="0">
+              <a:solidFill>
+                <a:srgbClr val="CF3338"/>
+              </a:solidFill>
+              <a:latin typeface="Pragmatica" panose="020B0403040502020204" pitchFamily="34" charset="0"/>
+            </a:endParaRPr>
           </a:p>
         </p:txBody>
       </p:sp>
     </p:spTree>
     <p:extLst>
       <p:ext uri="{BB962C8B-B14F-4D97-AF65-F5344CB8AC3E}">
-        <p14:creationId xmlns:p14="http://schemas.microsoft.com/office/powerpoint/2010/main" val="2491588467"/>
+        <p14:creationId xmlns:p14="http://schemas.microsoft.com/office/powerpoint/2010/main" val="2505051360"/>
       </p:ext>
     </p:extLst>
   </p:cSld>
@@ -8021,61 +7399,44 @@
           <a:chExt cx="0" cy="0"/>
         </a:xfrm>
       </p:grpSpPr>
-      <p:sp>
-        <p:nvSpPr>
-          <p:cNvPr id="4" name="Rectangle 3"/>
-          <p:cNvSpPr/>
-          <p:nvPr/>
-        </p:nvSpPr>
-        <p:spPr>
-          <a:xfrm>
-            <a:off x="9861630" y="0"/>
-            <a:ext cx="8426370" cy="10287000"/>
-          </a:xfrm>
-          <a:prstGeom prst="rect">
-            <a:avLst/>
-          </a:prstGeom>
-          <a:solidFill>
-            <a:srgbClr val="CF3338"/>
-          </a:solidFill>
-          <a:ln>
-            <a:noFill/>
-          </a:ln>
-        </p:spPr>
-        <p:style>
-          <a:lnRef idx="2">
-            <a:schemeClr val="accent1">
-              <a:shade val="50000"/>
-            </a:schemeClr>
-          </a:lnRef>
-          <a:fillRef idx="1">
-            <a:schemeClr val="accent1"/>
-          </a:fillRef>
-          <a:effectRef idx="0">
-            <a:schemeClr val="accent1"/>
-          </a:effectRef>
-          <a:fontRef idx="minor">
-            <a:schemeClr val="lt1"/>
-          </a:fontRef>
-        </p:style>
-        <p:txBody>
-          <a:bodyPr rtlCol="0" anchor="ctr"/>
-          <a:lstStyle/>
-          <a:p>
-            <a:pPr algn="ctr"/>
-            <a:endParaRPr lang="en-US" sz="2700"/>
-          </a:p>
-        </p:txBody>
-      </p:sp>
       <p:pic>
         <p:nvPicPr>
-          <p:cNvPr id="2" name="Picture 1"/>
+          <p:cNvPr id="10" name="Picture 9"/>
           <p:cNvPicPr>
             <a:picLocks noChangeAspect="1"/>
           </p:cNvPicPr>
           <p:nvPr/>
         </p:nvPicPr>
         <p:blipFill rotWithShape="1">
+          <a:blip r:embed="rId2">
+            <a:extLst>
+              <a:ext uri="{28A0092B-C50C-407E-A947-70E740481C1C}">
+                <a14:useLocalDpi xmlns:a14="http://schemas.microsoft.com/office/drawing/2010/main" val="0"/>
+              </a:ext>
+            </a:extLst>
+          </a:blip>
+          <a:srcRect l="50728" t="56371"/>
+          <a:stretch/>
+        </p:blipFill>
+        <p:spPr>
+          <a:xfrm>
+            <a:off x="12204691" y="3316148"/>
+            <a:ext cx="6083309" cy="6970854"/>
+          </a:xfrm>
+          <a:prstGeom prst="rect">
+            <a:avLst/>
+          </a:prstGeom>
+        </p:spPr>
+      </p:pic>
+      <p:pic>
+        <p:nvPicPr>
+          <p:cNvPr id="4" name="Picture 3"/>
+          <p:cNvPicPr>
+            <a:picLocks noChangeAspect="1"/>
+          </p:cNvPicPr>
+          <p:nvPr/>
+        </p:nvPicPr>
+        <p:blipFill>
           <a:blip r:embed="rId3">
             <a:extLst>
               <a:ext uri="{28A0092B-C50C-407E-A947-70E740481C1C}">
@@ -8083,13 +7444,14 @@
               </a:ext>
             </a:extLst>
           </a:blip>
-          <a:srcRect l="69227" t="33418" r="20112" b="50548"/>
-          <a:stretch/>
+          <a:stretch>
+            <a:fillRect/>
+          </a:stretch>
         </p:blipFill>
         <p:spPr>
           <a:xfrm>
-            <a:off x="15579524" y="7544693"/>
-            <a:ext cx="2708477" cy="2987579"/>
+            <a:off x="-807744" y="-3724155"/>
+            <a:ext cx="15257208" cy="11189825"/>
           </a:xfrm>
           <a:prstGeom prst="rect">
             <a:avLst/>
@@ -8098,14 +7460,14 @@
       </p:pic>
       <p:sp>
         <p:nvSpPr>
-          <p:cNvPr id="3" name="TextBox 2"/>
+          <p:cNvPr id="11" name="TextBox 10"/>
           <p:cNvSpPr txBox="1"/>
           <p:nvPr/>
         </p:nvSpPr>
         <p:spPr>
           <a:xfrm>
-            <a:off x="260431" y="329879"/>
-            <a:ext cx="8906720" cy="8027326"/>
+            <a:off x="486137" y="2531318"/>
+            <a:ext cx="11979797" cy="923330"/>
           </a:xfrm>
           <a:prstGeom prst="rect">
             <a:avLst/>
@@ -8119,176 +7481,56 @@
           <a:lstStyle/>
           <a:p>
             <a:r>
-              <a:rPr lang="en-US" sz="6000" b="1" dirty="0">
+              <a:rPr lang="en-US" sz="5400" b="1" dirty="0">
                 <a:solidFill>
                   <a:srgbClr val="CF3338"/>
                 </a:solidFill>
                 <a:latin typeface="Pragmatica" panose="020B0403040502020204" pitchFamily="34" charset="0"/>
               </a:rPr>
-              <a:t>From “that’s hard in Excel” to “that’s easy in Python”</a:t>
-            </a:r>
-            <a:endParaRPr lang="en-US" sz="4200" dirty="0">
-              <a:solidFill>
-                <a:srgbClr val="CF3338"/>
-              </a:solidFill>
-              <a:latin typeface="Pragmatica" panose="020B0403040502020204" pitchFamily="34" charset="0"/>
-            </a:endParaRPr>
-          </a:p>
-          <a:p>
-            <a:pPr marL="685800" indent="-542925">
-              <a:lnSpc>
-                <a:spcPct val="115000"/>
-              </a:lnSpc>
-              <a:spcBef>
-                <a:spcPts val="1125"/>
-              </a:spcBef>
-              <a:buClr>
-                <a:srgbClr val="C00000"/>
-              </a:buClr>
-              <a:buSzPts val="2100"/>
-              <a:buFont typeface="Arial"/>
-              <a:buAutoNum type="arabicPeriod"/>
-            </a:pPr>
-            <a:r>
-              <a:rPr lang="en-US" sz="3600" dirty="0">
-                <a:solidFill>
-                  <a:srgbClr val="C00000"/>
-                </a:solidFill>
-                <a:latin typeface="Pragmatica" panose="020B0403040502020204"/>
-                <a:sym typeface="Consolas"/>
-              </a:rPr>
-              <a:t>Data profiling: What is the shape, size, completeness?</a:t>
-            </a:r>
-          </a:p>
-          <a:p>
-            <a:pPr marL="685800" indent="-542925">
-              <a:lnSpc>
-                <a:spcPct val="115000"/>
-              </a:lnSpc>
-              <a:spcBef>
-                <a:spcPts val="1125"/>
-              </a:spcBef>
-              <a:buClr>
-                <a:srgbClr val="C00000"/>
-              </a:buClr>
-              <a:buSzPts val="2100"/>
-              <a:buFont typeface="Arial"/>
-              <a:buAutoNum type="arabicPeriod"/>
-            </a:pPr>
-            <a:r>
-              <a:rPr lang="en-US" sz="3600" dirty="0">
-                <a:solidFill>
-                  <a:srgbClr val="C00000"/>
-                </a:solidFill>
-                <a:latin typeface="Pragmatica" panose="020B0403040502020204"/>
-                <a:sym typeface="Consolas"/>
-              </a:rPr>
-              <a:t>Time series: pandas for panel data</a:t>
-            </a:r>
-          </a:p>
-          <a:p>
-            <a:pPr marL="685800" indent="-542925">
-              <a:lnSpc>
-                <a:spcPct val="115000"/>
-              </a:lnSpc>
-              <a:spcBef>
-                <a:spcPts val="1125"/>
-              </a:spcBef>
-              <a:buClr>
-                <a:srgbClr val="C00000"/>
-              </a:buClr>
-              <a:buSzPts val="2100"/>
-              <a:buFont typeface="Arial"/>
-              <a:buAutoNum type="arabicPeriod"/>
-            </a:pPr>
-            <a:r>
-              <a:rPr lang="en-US" sz="3600" dirty="0">
-                <a:solidFill>
-                  <a:srgbClr val="C00000"/>
-                </a:solidFill>
-                <a:latin typeface="Pragmatica" panose="020B0403040502020204"/>
-                <a:sym typeface="Consolas"/>
-              </a:rPr>
-              <a:t>Visualizations: What are the distributions and relationships in this data?</a:t>
-            </a:r>
-          </a:p>
-          <a:p>
-            <a:pPr marL="685800" indent="-542925">
-              <a:lnSpc>
-                <a:spcPct val="115000"/>
-              </a:lnSpc>
-              <a:spcBef>
-                <a:spcPts val="1125"/>
-              </a:spcBef>
-              <a:buClr>
-                <a:srgbClr val="C00000"/>
-              </a:buClr>
-              <a:buSzPts val="2100"/>
-              <a:buFont typeface="Arial"/>
-              <a:buAutoNum type="arabicPeriod"/>
-            </a:pPr>
-            <a:endParaRPr lang="en-US" sz="3600" dirty="0">
-              <a:solidFill>
-                <a:srgbClr val="C00000"/>
-              </a:solidFill>
-              <a:latin typeface="Pragmatica" panose="020B0403040502020204"/>
-              <a:sym typeface="Consolas"/>
-            </a:endParaRPr>
-          </a:p>
-          <a:p>
-            <a:pPr marL="142875">
-              <a:lnSpc>
-                <a:spcPct val="115000"/>
-              </a:lnSpc>
-              <a:spcBef>
-                <a:spcPts val="1125"/>
-              </a:spcBef>
-              <a:buClr>
-                <a:srgbClr val="C00000"/>
-              </a:buClr>
-              <a:buSzPts val="2100"/>
-            </a:pPr>
-            <a:r>
-              <a:rPr lang="en-US" sz="3600" dirty="0">
-                <a:solidFill>
-                  <a:srgbClr val="C00000"/>
-                </a:solidFill>
-                <a:latin typeface="Pragmatica" panose="020B0403040502020204"/>
-                <a:sym typeface="Consolas"/>
-              </a:rPr>
-              <a:t>File: </a:t>
-            </a:r>
-            <a:r>
-              <a:rPr lang="en-US" sz="3600" dirty="0">
-                <a:solidFill>
-                  <a:srgbClr val="C00000"/>
-                </a:solidFill>
-                <a:latin typeface="Consolas" panose="020B0609020204030204" pitchFamily="49" charset="0"/>
-                <a:sym typeface="Consolas"/>
-              </a:rPr>
-              <a:t>hard-excel-easy-python.xlsx</a:t>
-            </a:r>
-            <a:endParaRPr lang="en-US" sz="6000" dirty="0">
-              <a:solidFill>
-                <a:srgbClr val="CF3338"/>
-              </a:solidFill>
-              <a:latin typeface="Consolas" panose="020B0609020204030204" pitchFamily="49" charset="0"/>
-            </a:endParaRPr>
-          </a:p>
-          <a:p>
-            <a:endParaRPr lang="en-US" sz="6000" dirty="0">
-              <a:solidFill>
-                <a:srgbClr val="CF3338"/>
-              </a:solidFill>
-              <a:latin typeface="Pragmatica" panose="020B0403040502020204" pitchFamily="34" charset="0"/>
-            </a:endParaRPr>
-          </a:p>
-        </p:txBody>
-      </p:sp>
+              <a:t>Questions?</a:t>
+            </a:r>
+          </a:p>
+        </p:txBody>
+      </p:sp>
+      <p:pic>
+        <p:nvPicPr>
+          <p:cNvPr id="5" name="Picture 4">
+            <a:extLst>
+              <a:ext uri="{FF2B5EF4-FFF2-40B4-BE49-F238E27FC236}">
+                <a16:creationId xmlns:a16="http://schemas.microsoft.com/office/drawing/2014/main" id="{54A06221-5316-4BCF-9FDA-BDB95FF4A778}"/>
+              </a:ext>
+            </a:extLst>
+          </p:cNvPr>
+          <p:cNvPicPr>
+            <a:picLocks noChangeAspect="1"/>
+          </p:cNvPicPr>
+          <p:nvPr/>
+        </p:nvPicPr>
+        <p:blipFill>
+          <a:blip r:embed="rId4">
+            <a:extLst>
+              <a:ext uri="{28A0092B-C50C-407E-A947-70E740481C1C}">
+                <a14:useLocalDpi xmlns:a14="http://schemas.microsoft.com/office/drawing/2010/main" val="0"/>
+              </a:ext>
+            </a:extLst>
+          </a:blip>
+          <a:srcRect/>
+          <a:stretch/>
+        </p:blipFill>
+        <p:spPr>
+          <a:xfrm>
+            <a:off x="12204691" y="3317239"/>
+            <a:ext cx="6083309" cy="6968672"/>
+          </a:xfrm>
+          <a:prstGeom prst="rect">
+            <a:avLst/>
+          </a:prstGeom>
+        </p:spPr>
+      </p:pic>
     </p:spTree>
     <p:extLst>
       <p:ext uri="{BB962C8B-B14F-4D97-AF65-F5344CB8AC3E}">
-        <p14:creationId xmlns:p14="http://schemas.microsoft.com/office/powerpoint/2010/main" val="2505051360"/>
+        <p14:creationId xmlns:p14="http://schemas.microsoft.com/office/powerpoint/2010/main" val="2899625024"/>
       </p:ext>
     </p:extLst>
   </p:cSld>
